--- a/Presentations/Team B - Code Green - FinalPresentation.pptx
+++ b/Presentations/Team B - Code Green - FinalPresentation.pptx
@@ -1,29 +1,33 @@
 
 <file path=ppt/presentation.xml><?xml version="1.0" encoding="utf-8"?>
-<p:presentation xmlns:a="http://schemas.openxmlformats.org/drawingml/2006/main" xmlns:r="http://schemas.openxmlformats.org/officeDocument/2006/relationships" xmlns:p="http://schemas.openxmlformats.org/presentationml/2006/main" saveSubsetFonts="1">
+<p:presentation xmlns:a="http://schemas.openxmlformats.org/drawingml/2006/main" xmlns:r="http://schemas.openxmlformats.org/officeDocument/2006/relationships" xmlns:p="http://schemas.openxmlformats.org/presentationml/2006/main" showSpecialPlsOnTitleSld="0" saveSubsetFonts="1">
   <p:sldMasterIdLst>
     <p:sldMasterId id="2147483660" r:id="rId1"/>
   </p:sldMasterIdLst>
   <p:notesMasterIdLst>
-    <p:notesMasterId r:id="rId18"/>
+    <p:notesMasterId r:id="rId22"/>
   </p:notesMasterIdLst>
   <p:sldIdLst>
     <p:sldId id="256" r:id="rId2"/>
     <p:sldId id="257" r:id="rId3"/>
-    <p:sldId id="258" r:id="rId4"/>
-    <p:sldId id="259" r:id="rId5"/>
-    <p:sldId id="260" r:id="rId6"/>
-    <p:sldId id="268" r:id="rId7"/>
-    <p:sldId id="269" r:id="rId8"/>
-    <p:sldId id="270" r:id="rId9"/>
-    <p:sldId id="264" r:id="rId10"/>
-    <p:sldId id="272" r:id="rId11"/>
-    <p:sldId id="261" r:id="rId12"/>
-    <p:sldId id="263" r:id="rId13"/>
-    <p:sldId id="265" r:id="rId14"/>
-    <p:sldId id="266" r:id="rId15"/>
-    <p:sldId id="267" r:id="rId16"/>
-    <p:sldId id="271" r:id="rId17"/>
+    <p:sldId id="275" r:id="rId4"/>
+    <p:sldId id="258" r:id="rId5"/>
+    <p:sldId id="276" r:id="rId6"/>
+    <p:sldId id="259" r:id="rId7"/>
+    <p:sldId id="268" r:id="rId8"/>
+    <p:sldId id="269" r:id="rId9"/>
+    <p:sldId id="270" r:id="rId10"/>
+    <p:sldId id="273" r:id="rId11"/>
+    <p:sldId id="272" r:id="rId12"/>
+    <p:sldId id="277" r:id="rId13"/>
+    <p:sldId id="260" r:id="rId14"/>
+    <p:sldId id="264" r:id="rId15"/>
+    <p:sldId id="261" r:id="rId16"/>
+    <p:sldId id="263" r:id="rId17"/>
+    <p:sldId id="265" r:id="rId18"/>
+    <p:sldId id="266" r:id="rId19"/>
+    <p:sldId id="267" r:id="rId20"/>
+    <p:sldId id="271" r:id="rId21"/>
   </p:sldIdLst>
   <p:sldSz cx="12192000" cy="6858000"/>
   <p:notesSz cx="6858000" cy="9144000"/>
@@ -122,6 +126,11 @@
       </a:defRPr>
     </a:lvl9pPr>
   </p:defaultTextStyle>
+  <p:extLst>
+    <p:ext uri="{EFAFB233-063F-42B5-8137-9DF3F51BA10A}">
+      <p15:sldGuideLst xmlns:p15="http://schemas.microsoft.com/office/powerpoint/2012/main"/>
+    </p:ext>
+  </p:extLst>
 </p:presentation>
 </file>
 
@@ -207,7 +216,7 @@
           <a:p>
             <a:fld id="{33AD7EA4-4CE7-4C57-B79E-75139A5C31A2}" type="datetimeFigureOut">
               <a:rPr lang="en-US" smtClean="0"/>
-              <a:t>7/17/2017</a:t>
+              <a:t>7/18/2017</a:t>
             </a:fld>
             <a:endParaRPr lang="en-US"/>
           </a:p>
@@ -745,9 +754,9 @@
           <a:bodyPr/>
           <a:lstStyle/>
           <a:p>
-            <a:fld id="{59C2D38B-A6D5-4D30-95C0-4A973339793A}" type="datetimeFigureOut">
-              <a:rPr lang="en-US" smtClean="0"/>
-              <a:t>7/15/2017</a:t>
+            <a:fld id="{B3A810B9-206E-4B72-9460-EBDF7367ECA7}" type="datetime1">
+              <a:rPr lang="en-US" smtClean="0"/>
+              <a:t>7/18/2017</a:t>
             </a:fld>
             <a:endParaRPr lang="en-US"/>
           </a:p>
@@ -1083,9 +1092,9 @@
           <a:bodyPr/>
           <a:lstStyle/>
           <a:p>
-            <a:fld id="{59C2D38B-A6D5-4D30-95C0-4A973339793A}" type="datetimeFigureOut">
-              <a:rPr lang="en-US" smtClean="0"/>
-              <a:t>7/15/2017</a:t>
+            <a:fld id="{0A0A03F6-F2BA-4D0E-AC47-8994F3D60DE3}" type="datetime1">
+              <a:rPr lang="en-US" smtClean="0"/>
+              <a:t>7/18/2017</a:t>
             </a:fld>
             <a:endParaRPr lang="en-US"/>
           </a:p>
@@ -1484,9 +1493,9 @@
           <a:bodyPr/>
           <a:lstStyle/>
           <a:p>
-            <a:fld id="{59C2D38B-A6D5-4D30-95C0-4A973339793A}" type="datetimeFigureOut">
-              <a:rPr lang="en-US" smtClean="0"/>
-              <a:t>7/15/2017</a:t>
+            <a:fld id="{6B4E6261-0F02-446B-B9F4-E7D9316CDFCE}" type="datetime1">
+              <a:rPr lang="en-US" smtClean="0"/>
+              <a:t>7/18/2017</a:t>
             </a:fld>
             <a:endParaRPr lang="en-US"/>
           </a:p>
@@ -1820,9 +1829,9 @@
           <a:bodyPr/>
           <a:lstStyle/>
           <a:p>
-            <a:fld id="{59C2D38B-A6D5-4D30-95C0-4A973339793A}" type="datetimeFigureOut">
-              <a:rPr lang="en-US" smtClean="0"/>
-              <a:t>7/15/2017</a:t>
+            <a:fld id="{12C60B0B-4675-44DF-934F-AEE7A670FD9E}" type="datetime1">
+              <a:rPr lang="en-US" smtClean="0"/>
+              <a:t>7/18/2017</a:t>
             </a:fld>
             <a:endParaRPr lang="en-US"/>
           </a:p>
@@ -2140,9 +2149,9 @@
           <a:bodyPr/>
           <a:lstStyle/>
           <a:p>
-            <a:fld id="{59C2D38B-A6D5-4D30-95C0-4A973339793A}" type="datetimeFigureOut">
-              <a:rPr lang="en-US" smtClean="0"/>
-              <a:t>7/15/2017</a:t>
+            <a:fld id="{6A9C5AE8-2CCC-4A28-9D0C-51D55263F19F}" type="datetime1">
+              <a:rPr lang="en-US" smtClean="0"/>
+              <a:t>7/18/2017</a:t>
             </a:fld>
             <a:endParaRPr lang="en-US"/>
           </a:p>
@@ -2536,9 +2545,9 @@
           <a:bodyPr/>
           <a:lstStyle/>
           <a:p>
-            <a:fld id="{59C2D38B-A6D5-4D30-95C0-4A973339793A}" type="datetimeFigureOut">
-              <a:rPr lang="en-US" smtClean="0"/>
-              <a:t>7/15/2017</a:t>
+            <a:fld id="{5048CE32-5A99-458A-AADC-7594F921D50C}" type="datetime1">
+              <a:rPr lang="en-US" smtClean="0"/>
+              <a:t>7/18/2017</a:t>
             </a:fld>
             <a:endParaRPr lang="en-US"/>
           </a:p>
@@ -2793,9 +2802,9 @@
           <a:bodyPr/>
           <a:lstStyle/>
           <a:p>
-            <a:fld id="{59C2D38B-A6D5-4D30-95C0-4A973339793A}" type="datetimeFigureOut">
-              <a:rPr lang="en-US" smtClean="0"/>
-              <a:t>7/15/2017</a:t>
+            <a:fld id="{BD2C41D9-7C66-4846-B94D-FD6B73DD2A86}" type="datetime1">
+              <a:rPr lang="en-US" smtClean="0"/>
+              <a:t>7/18/2017</a:t>
             </a:fld>
             <a:endParaRPr lang="en-US"/>
           </a:p>
@@ -3055,9 +3064,9 @@
           <a:bodyPr/>
           <a:lstStyle/>
           <a:p>
-            <a:fld id="{59C2D38B-A6D5-4D30-95C0-4A973339793A}" type="datetimeFigureOut">
-              <a:rPr lang="en-US" smtClean="0"/>
-              <a:t>7/15/2017</a:t>
+            <a:fld id="{E9BB0FDA-BB6B-40F8-B529-4415B64762A8}" type="datetime1">
+              <a:rPr lang="en-US" smtClean="0"/>
+              <a:t>7/18/2017</a:t>
             </a:fld>
             <a:endParaRPr lang="en-US"/>
           </a:p>
@@ -3317,9 +3326,9 @@
           <a:bodyPr/>
           <a:lstStyle/>
           <a:p>
-            <a:fld id="{59C2D38B-A6D5-4D30-95C0-4A973339793A}" type="datetimeFigureOut">
-              <a:rPr lang="en-US" smtClean="0"/>
-              <a:t>7/15/2017</a:t>
+            <a:fld id="{BBAB2ABB-7066-4A40-841F-0536FD5439BB}" type="datetime1">
+              <a:rPr lang="en-US" smtClean="0"/>
+              <a:t>7/18/2017</a:t>
             </a:fld>
             <a:endParaRPr lang="en-US"/>
           </a:p>
@@ -3646,9 +3655,9 @@
           <a:bodyPr/>
           <a:lstStyle/>
           <a:p>
-            <a:fld id="{59C2D38B-A6D5-4D30-95C0-4A973339793A}" type="datetimeFigureOut">
-              <a:rPr lang="en-US" smtClean="0"/>
-              <a:t>7/15/2017</a:t>
+            <a:fld id="{1C63C467-A910-4B7C-930E-85C2EA4C7978}" type="datetime1">
+              <a:rPr lang="en-US" smtClean="0"/>
+              <a:t>7/18/2017</a:t>
             </a:fld>
             <a:endParaRPr lang="en-US"/>
           </a:p>
@@ -3969,9 +3978,9 @@
           <a:bodyPr/>
           <a:lstStyle/>
           <a:p>
-            <a:fld id="{59C2D38B-A6D5-4D30-95C0-4A973339793A}" type="datetimeFigureOut">
-              <a:rPr lang="en-US" smtClean="0"/>
-              <a:t>7/15/2017</a:t>
+            <a:fld id="{17868F09-E7F8-4601-A460-D7DA3B03CFD7}" type="datetime1">
+              <a:rPr lang="en-US" smtClean="0"/>
+              <a:t>7/18/2017</a:t>
             </a:fld>
             <a:endParaRPr lang="en-US"/>
           </a:p>
@@ -4426,9 +4435,9 @@
           <a:bodyPr/>
           <a:lstStyle/>
           <a:p>
-            <a:fld id="{59C2D38B-A6D5-4D30-95C0-4A973339793A}" type="datetimeFigureOut">
-              <a:rPr lang="en-US" smtClean="0"/>
-              <a:t>7/15/2017</a:t>
+            <a:fld id="{B7773045-23C2-47E5-AAA8-F2668CB50BDB}" type="datetime1">
+              <a:rPr lang="en-US" smtClean="0"/>
+              <a:t>7/18/2017</a:t>
             </a:fld>
             <a:endParaRPr lang="en-US"/>
           </a:p>
@@ -4631,9 +4640,9 @@
           <a:bodyPr/>
           <a:lstStyle/>
           <a:p>
-            <a:fld id="{59C2D38B-A6D5-4D30-95C0-4A973339793A}" type="datetimeFigureOut">
-              <a:rPr lang="en-US" smtClean="0"/>
-              <a:t>7/15/2017</a:t>
+            <a:fld id="{E069D8CB-5B0E-469C-B646-5B200A405472}" type="datetime1">
+              <a:rPr lang="en-US" smtClean="0"/>
+              <a:t>7/18/2017</a:t>
             </a:fld>
             <a:endParaRPr lang="en-US"/>
           </a:p>
@@ -4808,9 +4817,9 @@
           <a:bodyPr/>
           <a:lstStyle/>
           <a:p>
-            <a:fld id="{59C2D38B-A6D5-4D30-95C0-4A973339793A}" type="datetimeFigureOut">
-              <a:rPr lang="en-US" smtClean="0"/>
-              <a:t>7/15/2017</a:t>
+            <a:fld id="{5627BE1F-3A78-43BA-9827-6B997E764A0D}" type="datetime1">
+              <a:rPr lang="en-US" smtClean="0"/>
+              <a:t>7/18/2017</a:t>
             </a:fld>
             <a:endParaRPr lang="en-US"/>
           </a:p>
@@ -5141,9 +5150,9 @@
           <a:bodyPr/>
           <a:lstStyle/>
           <a:p>
-            <a:fld id="{59C2D38B-A6D5-4D30-95C0-4A973339793A}" type="datetimeFigureOut">
-              <a:rPr lang="en-US" smtClean="0"/>
-              <a:t>7/15/2017</a:t>
+            <a:fld id="{521A588A-5C06-44C0-92CC-79E39F96A5AE}" type="datetime1">
+              <a:rPr lang="en-US" smtClean="0"/>
+              <a:t>7/18/2017</a:t>
             </a:fld>
             <a:endParaRPr lang="en-US"/>
           </a:p>
@@ -5486,9 +5495,9 @@
           <a:bodyPr/>
           <a:lstStyle/>
           <a:p>
-            <a:fld id="{59C2D38B-A6D5-4D30-95C0-4A973339793A}" type="datetimeFigureOut">
-              <a:rPr lang="en-US" smtClean="0"/>
-              <a:t>7/15/2017</a:t>
+            <a:fld id="{824C655E-C503-4AC9-92BB-5761A8D0BC11}" type="datetime1">
+              <a:rPr lang="en-US" smtClean="0"/>
+              <a:t>7/18/2017</a:t>
             </a:fld>
             <a:endParaRPr lang="en-US"/>
           </a:p>
@@ -7603,9 +7612,9 @@
             </a:lvl1pPr>
           </a:lstStyle>
           <a:p>
-            <a:fld id="{59C2D38B-A6D5-4D30-95C0-4A973339793A}" type="datetimeFigureOut">
-              <a:rPr lang="en-US" smtClean="0"/>
-              <a:t>7/15/2017</a:t>
+            <a:fld id="{5613BD35-C1CA-46E8-AA83-9105AB54FE1B}" type="datetime1">
+              <a:rPr lang="en-US" smtClean="0"/>
+              <a:t>7/18/2017</a:t>
             </a:fld>
             <a:endParaRPr lang="en-US"/>
           </a:p>
@@ -7713,6 +7722,7 @@
     <p:sldLayoutId id="2147483675" r:id="rId15"/>
     <p:sldLayoutId id="2147483676" r:id="rId16"/>
   </p:sldLayoutIdLst>
+  <p:hf hdr="0" ftr="0" dt="0"/>
   <p:txStyles>
     <p:titleStyle>
       <a:lvl1pPr algn="l" defTabSz="457200" rtl="0" eaLnBrk="1" latinLnBrk="0" hangingPunct="1">
@@ -8477,10 +8487,6 @@
               </a:rPr>
               <a:t>Group B - Code Green</a:t>
             </a:r>
-            <a:endParaRPr lang="en" sz="1600" b="1" dirty="0" smtClean="0">
-              <a:latin typeface="Times New Roman" panose="02020603050405020304" pitchFamily="18" charset="0"/>
-              <a:cs typeface="Times New Roman" panose="02020603050405020304" pitchFamily="18" charset="0"/>
-            </a:endParaRPr>
           </a:p>
         </p:txBody>
       </p:sp>
@@ -8658,6 +8664,545 @@
           <a:p>
             <a:r>
               <a:rPr lang="en-US" dirty="0" smtClean="0"/>
+              <a:t>Tools and Technologies</a:t>
+            </a:r>
+            <a:endParaRPr lang="en-US" dirty="0"/>
+          </a:p>
+        </p:txBody>
+      </p:sp>
+      <p:sp>
+        <p:nvSpPr>
+          <p:cNvPr id="3" name="Content Placeholder 2"/>
+          <p:cNvSpPr>
+            <a:spLocks noGrp="1"/>
+          </p:cNvSpPr>
+          <p:nvPr>
+            <p:ph idx="1"/>
+          </p:nvPr>
+        </p:nvSpPr>
+        <p:spPr>
+          <a:xfrm>
+            <a:off x="2589212" y="2691684"/>
+            <a:ext cx="1742683" cy="3219537"/>
+          </a:xfrm>
+        </p:spPr>
+        <p:txBody>
+          <a:bodyPr/>
+          <a:lstStyle/>
+          <a:p>
+            <a:pPr marL="0" indent="0">
+              <a:buNone/>
+            </a:pPr>
+            <a:endParaRPr lang="en-US" dirty="0" smtClean="0"/>
+          </a:p>
+          <a:p>
+            <a:endParaRPr lang="en-US" dirty="0"/>
+          </a:p>
+        </p:txBody>
+      </p:sp>
+      <p:sp>
+        <p:nvSpPr>
+          <p:cNvPr id="4" name="Slide Number Placeholder 3"/>
+          <p:cNvSpPr>
+            <a:spLocks noGrp="1"/>
+          </p:cNvSpPr>
+          <p:nvPr>
+            <p:ph type="sldNum" sz="quarter" idx="12"/>
+          </p:nvPr>
+        </p:nvSpPr>
+        <p:spPr/>
+        <p:txBody>
+          <a:bodyPr/>
+          <a:lstStyle/>
+          <a:p>
+            <a:fld id="{69AC24DB-4626-4986-8B7C-F487BF5680B4}" type="slidenum">
+              <a:rPr lang="en-US" smtClean="0"/>
+              <a:t>10</a:t>
+            </a:fld>
+            <a:endParaRPr lang="en-US"/>
+          </a:p>
+        </p:txBody>
+      </p:sp>
+      <p:pic>
+        <p:nvPicPr>
+          <p:cNvPr id="1026" name="Picture 2" descr="Related image"/>
+          <p:cNvPicPr>
+            <a:picLocks noChangeAspect="1" noChangeArrowheads="1"/>
+          </p:cNvPicPr>
+          <p:nvPr/>
+        </p:nvPicPr>
+        <p:blipFill>
+          <a:blip r:embed="rId2" cstate="print">
+            <a:extLst>
+              <a:ext uri="{28A0092B-C50C-407E-A947-70E740481C1C}">
+                <a14:useLocalDpi xmlns:a14="http://schemas.microsoft.com/office/drawing/2010/main" val="0"/>
+              </a:ext>
+            </a:extLst>
+          </a:blip>
+          <a:srcRect/>
+          <a:stretch>
+            <a:fillRect/>
+          </a:stretch>
+        </p:blipFill>
+        <p:spPr bwMode="auto">
+          <a:xfrm>
+            <a:off x="2720941" y="1766015"/>
+            <a:ext cx="1557315" cy="1557315"/>
+          </a:xfrm>
+          <a:prstGeom prst="rect">
+            <a:avLst/>
+          </a:prstGeom>
+          <a:noFill/>
+          <a:extLst>
+            <a:ext uri="{909E8E84-426E-40DD-AFC4-6F175D3DCCD1}">
+              <a14:hiddenFill xmlns:a14="http://schemas.microsoft.com/office/drawing/2010/main">
+                <a:solidFill>
+                  <a:srgbClr val="FFFFFF"/>
+                </a:solidFill>
+              </a14:hiddenFill>
+            </a:ext>
+          </a:extLst>
+        </p:spPr>
+      </p:pic>
+      <p:pic>
+        <p:nvPicPr>
+          <p:cNvPr id="1028" name="Picture 4" descr="Image result for netbeans"/>
+          <p:cNvPicPr>
+            <a:picLocks noChangeAspect="1" noChangeArrowheads="1"/>
+          </p:cNvPicPr>
+          <p:nvPr/>
+        </p:nvPicPr>
+        <p:blipFill>
+          <a:blip r:embed="rId3">
+            <a:extLst>
+              <a:ext uri="{28A0092B-C50C-407E-A947-70E740481C1C}">
+                <a14:useLocalDpi xmlns:a14="http://schemas.microsoft.com/office/drawing/2010/main" val="0"/>
+              </a:ext>
+            </a:extLst>
+          </a:blip>
+          <a:srcRect/>
+          <a:stretch>
+            <a:fillRect/>
+          </a:stretch>
+        </p:blipFill>
+        <p:spPr bwMode="auto">
+          <a:xfrm>
+            <a:off x="5939187" y="1978995"/>
+            <a:ext cx="2054521" cy="894321"/>
+          </a:xfrm>
+          <a:prstGeom prst="rect">
+            <a:avLst/>
+          </a:prstGeom>
+          <a:noFill/>
+          <a:extLst>
+            <a:ext uri="{909E8E84-426E-40DD-AFC4-6F175D3DCCD1}">
+              <a14:hiddenFill xmlns:a14="http://schemas.microsoft.com/office/drawing/2010/main">
+                <a:solidFill>
+                  <a:srgbClr val="FFFFFF"/>
+                </a:solidFill>
+              </a14:hiddenFill>
+            </a:ext>
+          </a:extLst>
+        </p:spPr>
+      </p:pic>
+      <p:pic>
+        <p:nvPicPr>
+          <p:cNvPr id="7" name="Picture 6"/>
+          <p:cNvPicPr>
+            <a:picLocks noChangeAspect="1"/>
+          </p:cNvPicPr>
+          <p:nvPr/>
+        </p:nvPicPr>
+        <p:blipFill>
+          <a:blip r:embed="rId4"/>
+          <a:stretch>
+            <a:fillRect/>
+          </a:stretch>
+        </p:blipFill>
+        <p:spPr>
+          <a:xfrm>
+            <a:off x="9601000" y="1905000"/>
+            <a:ext cx="1163996" cy="1163996"/>
+          </a:xfrm>
+          <a:prstGeom prst="rect">
+            <a:avLst/>
+          </a:prstGeom>
+        </p:spPr>
+      </p:pic>
+      <p:pic>
+        <p:nvPicPr>
+          <p:cNvPr id="9" name="Picture 8"/>
+          <p:cNvPicPr>
+            <a:picLocks noChangeAspect="1"/>
+          </p:cNvPicPr>
+          <p:nvPr/>
+        </p:nvPicPr>
+        <p:blipFill>
+          <a:blip r:embed="rId5"/>
+          <a:stretch>
+            <a:fillRect/>
+          </a:stretch>
+        </p:blipFill>
+        <p:spPr>
+          <a:xfrm>
+            <a:off x="2720941" y="4158196"/>
+            <a:ext cx="1537365" cy="607654"/>
+          </a:xfrm>
+          <a:prstGeom prst="rect">
+            <a:avLst/>
+          </a:prstGeom>
+        </p:spPr>
+      </p:pic>
+      <p:pic>
+        <p:nvPicPr>
+          <p:cNvPr id="11" name="Picture 10"/>
+          <p:cNvPicPr>
+            <a:picLocks noChangeAspect="1"/>
+          </p:cNvPicPr>
+          <p:nvPr/>
+        </p:nvPicPr>
+        <p:blipFill>
+          <a:blip r:embed="rId6"/>
+          <a:stretch>
+            <a:fillRect/>
+          </a:stretch>
+        </p:blipFill>
+        <p:spPr>
+          <a:xfrm>
+            <a:off x="4995021" y="3834992"/>
+            <a:ext cx="1038359" cy="1038359"/>
+          </a:xfrm>
+          <a:prstGeom prst="rect">
+            <a:avLst/>
+          </a:prstGeom>
+        </p:spPr>
+      </p:pic>
+      <p:pic>
+        <p:nvPicPr>
+          <p:cNvPr id="1038" name="Picture 14" descr="Image result for github icon"/>
+          <p:cNvPicPr>
+            <a:picLocks noChangeAspect="1" noChangeArrowheads="1"/>
+          </p:cNvPicPr>
+          <p:nvPr/>
+        </p:nvPicPr>
+        <p:blipFill>
+          <a:blip r:embed="rId7">
+            <a:extLst>
+              <a:ext uri="{28A0092B-C50C-407E-A947-70E740481C1C}">
+                <a14:useLocalDpi xmlns:a14="http://schemas.microsoft.com/office/drawing/2010/main" val="0"/>
+              </a:ext>
+            </a:extLst>
+          </a:blip>
+          <a:srcRect/>
+          <a:stretch>
+            <a:fillRect/>
+          </a:stretch>
+        </p:blipFill>
+        <p:spPr bwMode="auto">
+          <a:xfrm>
+            <a:off x="6999156" y="3929026"/>
+            <a:ext cx="2020955" cy="744851"/>
+          </a:xfrm>
+          <a:prstGeom prst="rect">
+            <a:avLst/>
+          </a:prstGeom>
+          <a:noFill/>
+          <a:extLst>
+            <a:ext uri="{909E8E84-426E-40DD-AFC4-6F175D3DCCD1}">
+              <a14:hiddenFill xmlns:a14="http://schemas.microsoft.com/office/drawing/2010/main">
+                <a:solidFill>
+                  <a:srgbClr val="FFFFFF"/>
+                </a:solidFill>
+              </a14:hiddenFill>
+            </a:ext>
+          </a:extLst>
+        </p:spPr>
+      </p:pic>
+      <p:pic>
+        <p:nvPicPr>
+          <p:cNvPr id="13" name="Picture 12"/>
+          <p:cNvPicPr>
+            <a:picLocks noChangeAspect="1"/>
+          </p:cNvPicPr>
+          <p:nvPr/>
+        </p:nvPicPr>
+        <p:blipFill>
+          <a:blip r:embed="rId8"/>
+          <a:stretch>
+            <a:fillRect/>
+          </a:stretch>
+        </p:blipFill>
+        <p:spPr>
+          <a:xfrm>
+            <a:off x="9601000" y="3900553"/>
+            <a:ext cx="1604761" cy="898666"/>
+          </a:xfrm>
+          <a:prstGeom prst="rect">
+            <a:avLst/>
+          </a:prstGeom>
+        </p:spPr>
+      </p:pic>
+      <p:sp>
+        <p:nvSpPr>
+          <p:cNvPr id="14" name="TextBox 13"/>
+          <p:cNvSpPr txBox="1"/>
+          <p:nvPr/>
+        </p:nvSpPr>
+        <p:spPr>
+          <a:xfrm>
+            <a:off x="3120556" y="3262112"/>
+            <a:ext cx="679994" cy="369332"/>
+          </a:xfrm>
+          <a:prstGeom prst="rect">
+            <a:avLst/>
+          </a:prstGeom>
+          <a:noFill/>
+        </p:spPr>
+        <p:txBody>
+          <a:bodyPr wrap="none" rtlCol="0">
+            <a:spAutoFit/>
+          </a:bodyPr>
+          <a:lstStyle/>
+          <a:p>
+            <a:r>
+              <a:rPr lang="en-US" dirty="0" smtClean="0"/>
+              <a:t>Visio</a:t>
+            </a:r>
+            <a:endParaRPr lang="en-US" dirty="0"/>
+          </a:p>
+        </p:txBody>
+      </p:sp>
+      <p:sp>
+        <p:nvSpPr>
+          <p:cNvPr id="16" name="TextBox 15"/>
+          <p:cNvSpPr txBox="1"/>
+          <p:nvPr/>
+        </p:nvSpPr>
+        <p:spPr>
+          <a:xfrm>
+            <a:off x="6205067" y="3265869"/>
+            <a:ext cx="1257075" cy="369332"/>
+          </a:xfrm>
+          <a:prstGeom prst="rect">
+            <a:avLst/>
+          </a:prstGeom>
+          <a:noFill/>
+        </p:spPr>
+        <p:txBody>
+          <a:bodyPr wrap="none" rtlCol="0">
+            <a:spAutoFit/>
+          </a:bodyPr>
+          <a:lstStyle/>
+          <a:p>
+            <a:r>
+              <a:rPr lang="en-US" dirty="0" smtClean="0"/>
+              <a:t>NetBeans</a:t>
+            </a:r>
+            <a:endParaRPr lang="en-US" dirty="0"/>
+          </a:p>
+        </p:txBody>
+      </p:sp>
+      <p:sp>
+        <p:nvSpPr>
+          <p:cNvPr id="17" name="TextBox 16"/>
+          <p:cNvSpPr txBox="1"/>
+          <p:nvPr/>
+        </p:nvSpPr>
+        <p:spPr>
+          <a:xfrm>
+            <a:off x="9817446" y="3262112"/>
+            <a:ext cx="1050288" cy="369332"/>
+          </a:xfrm>
+          <a:prstGeom prst="rect">
+            <a:avLst/>
+          </a:prstGeom>
+          <a:noFill/>
+        </p:spPr>
+        <p:txBody>
+          <a:bodyPr wrap="none" rtlCol="0">
+            <a:spAutoFit/>
+          </a:bodyPr>
+          <a:lstStyle/>
+          <a:p>
+            <a:r>
+              <a:rPr lang="en-US" dirty="0" smtClean="0"/>
+              <a:t>X-Code</a:t>
+            </a:r>
+            <a:endParaRPr lang="en-US" dirty="0"/>
+          </a:p>
+        </p:txBody>
+      </p:sp>
+      <p:sp>
+        <p:nvSpPr>
+          <p:cNvPr id="18" name="TextBox 17"/>
+          <p:cNvSpPr txBox="1"/>
+          <p:nvPr/>
+        </p:nvSpPr>
+        <p:spPr>
+          <a:xfrm>
+            <a:off x="2923386" y="4872749"/>
+            <a:ext cx="1074333" cy="369332"/>
+          </a:xfrm>
+          <a:prstGeom prst="rect">
+            <a:avLst/>
+          </a:prstGeom>
+          <a:noFill/>
+        </p:spPr>
+        <p:txBody>
+          <a:bodyPr wrap="none" rtlCol="0">
+            <a:spAutoFit/>
+          </a:bodyPr>
+          <a:lstStyle/>
+          <a:p>
+            <a:r>
+              <a:rPr lang="en-US" dirty="0" err="1" smtClean="0"/>
+              <a:t>StarUML</a:t>
+            </a:r>
+            <a:endParaRPr lang="en-US" dirty="0"/>
+          </a:p>
+        </p:txBody>
+      </p:sp>
+      <p:sp>
+        <p:nvSpPr>
+          <p:cNvPr id="19" name="TextBox 18"/>
+          <p:cNvSpPr txBox="1"/>
+          <p:nvPr/>
+        </p:nvSpPr>
+        <p:spPr>
+          <a:xfrm>
+            <a:off x="4968217" y="4877284"/>
+            <a:ext cx="1091966" cy="369332"/>
+          </a:xfrm>
+          <a:prstGeom prst="rect">
+            <a:avLst/>
+          </a:prstGeom>
+          <a:noFill/>
+        </p:spPr>
+        <p:txBody>
+          <a:bodyPr wrap="none" rtlCol="0">
+            <a:spAutoFit/>
+          </a:bodyPr>
+          <a:lstStyle/>
+          <a:p>
+            <a:r>
+              <a:rPr lang="en-US" dirty="0" err="1" smtClean="0"/>
+              <a:t>Moqups</a:t>
+            </a:r>
+            <a:endParaRPr lang="en-US" dirty="0"/>
+          </a:p>
+        </p:txBody>
+      </p:sp>
+      <p:sp>
+        <p:nvSpPr>
+          <p:cNvPr id="20" name="TextBox 19"/>
+          <p:cNvSpPr txBox="1"/>
+          <p:nvPr/>
+        </p:nvSpPr>
+        <p:spPr>
+          <a:xfrm>
+            <a:off x="9567890" y="4872749"/>
+            <a:ext cx="1620957" cy="369332"/>
+          </a:xfrm>
+          <a:prstGeom prst="rect">
+            <a:avLst/>
+          </a:prstGeom>
+          <a:noFill/>
+        </p:spPr>
+        <p:txBody>
+          <a:bodyPr wrap="none" rtlCol="0">
+            <a:spAutoFit/>
+          </a:bodyPr>
+          <a:lstStyle/>
+          <a:p>
+            <a:r>
+              <a:rPr lang="en-US" dirty="0"/>
+              <a:t>Google </a:t>
+            </a:r>
+            <a:r>
+              <a:rPr lang="en-US" dirty="0" smtClean="0"/>
+              <a:t>tools</a:t>
+            </a:r>
+            <a:endParaRPr lang="en-US" dirty="0"/>
+          </a:p>
+        </p:txBody>
+      </p:sp>
+      <p:sp>
+        <p:nvSpPr>
+          <p:cNvPr id="21" name="TextBox 20"/>
+          <p:cNvSpPr txBox="1"/>
+          <p:nvPr/>
+        </p:nvSpPr>
+        <p:spPr>
+          <a:xfrm>
+            <a:off x="7330571" y="4872749"/>
+            <a:ext cx="966931" cy="369332"/>
+          </a:xfrm>
+          <a:prstGeom prst="rect">
+            <a:avLst/>
+          </a:prstGeom>
+          <a:noFill/>
+        </p:spPr>
+        <p:txBody>
+          <a:bodyPr wrap="none" rtlCol="0">
+            <a:spAutoFit/>
+          </a:bodyPr>
+          <a:lstStyle/>
+          <a:p>
+            <a:r>
+              <a:rPr lang="en-US" dirty="0" smtClean="0"/>
+              <a:t>GitHub</a:t>
+            </a:r>
+            <a:endParaRPr lang="en-US" dirty="0"/>
+          </a:p>
+        </p:txBody>
+      </p:sp>
+    </p:spTree>
+    <p:extLst>
+      <p:ext uri="{BB962C8B-B14F-4D97-AF65-F5344CB8AC3E}">
+        <p14:creationId xmlns:p14="http://schemas.microsoft.com/office/powerpoint/2010/main" val="3239921112"/>
+      </p:ext>
+    </p:extLst>
+  </p:cSld>
+  <p:clrMapOvr>
+    <a:masterClrMapping/>
+  </p:clrMapOvr>
+</p:sld>
+</file>
+
+<file path=ppt/slides/slide11.xml><?xml version="1.0" encoding="utf-8"?>
+<p:sld xmlns:a="http://schemas.openxmlformats.org/drawingml/2006/main" xmlns:r="http://schemas.openxmlformats.org/officeDocument/2006/relationships" xmlns:p="http://schemas.openxmlformats.org/presentationml/2006/main">
+  <p:cSld>
+    <p:spTree>
+      <p:nvGrpSpPr>
+        <p:cNvPr id="1" name=""/>
+        <p:cNvGrpSpPr/>
+        <p:nvPr/>
+      </p:nvGrpSpPr>
+      <p:grpSpPr>
+        <a:xfrm>
+          <a:off x="0" y="0"/>
+          <a:ext cx="0" cy="0"/>
+          <a:chOff x="0" y="0"/>
+          <a:chExt cx="0" cy="0"/>
+        </a:xfrm>
+      </p:grpSpPr>
+      <p:sp>
+        <p:nvSpPr>
+          <p:cNvPr id="2" name="Title 1"/>
+          <p:cNvSpPr>
+            <a:spLocks noGrp="1"/>
+          </p:cNvSpPr>
+          <p:nvPr>
+            <p:ph type="title"/>
+          </p:nvPr>
+        </p:nvSpPr>
+        <p:spPr/>
+        <p:txBody>
+          <a:bodyPr/>
+          <a:lstStyle/>
+          <a:p>
+            <a:r>
+              <a:rPr lang="en-US" dirty="0" smtClean="0"/>
               <a:t>Use Case Diagram</a:t>
             </a:r>
             <a:endParaRPr lang="en-US" dirty="0"/>
@@ -8717,134 +9262,33 @@
           <a:ln/>
         </p:spPr>
       </p:pic>
+      <p:sp>
+        <p:nvSpPr>
+          <p:cNvPr id="3" name="Slide Number Placeholder 2"/>
+          <p:cNvSpPr>
+            <a:spLocks noGrp="1"/>
+          </p:cNvSpPr>
+          <p:nvPr>
+            <p:ph type="sldNum" sz="quarter" idx="12"/>
+          </p:nvPr>
+        </p:nvSpPr>
+        <p:spPr/>
+        <p:txBody>
+          <a:bodyPr/>
+          <a:lstStyle/>
+          <a:p>
+            <a:fld id="{69AC24DB-4626-4986-8B7C-F487BF5680B4}" type="slidenum">
+              <a:rPr lang="en-US" smtClean="0"/>
+              <a:t>11</a:t>
+            </a:fld>
+            <a:endParaRPr lang="en-US"/>
+          </a:p>
+        </p:txBody>
+      </p:sp>
     </p:spTree>
     <p:extLst>
       <p:ext uri="{BB962C8B-B14F-4D97-AF65-F5344CB8AC3E}">
         <p14:creationId xmlns:p14="http://schemas.microsoft.com/office/powerpoint/2010/main" val="588811777"/>
-      </p:ext>
-    </p:extLst>
-  </p:cSld>
-  <p:clrMapOvr>
-    <a:masterClrMapping/>
-  </p:clrMapOvr>
-  <p:timing>
-    <p:tnLst>
-      <p:par>
-        <p:cTn id="1" dur="indefinite" restart="never" nodeType="tmRoot"/>
-      </p:par>
-    </p:tnLst>
-  </p:timing>
-</p:sld>
-</file>
-
-<file path=ppt/slides/slide11.xml><?xml version="1.0" encoding="utf-8"?>
-<p:sld xmlns:a="http://schemas.openxmlformats.org/drawingml/2006/main" xmlns:r="http://schemas.openxmlformats.org/officeDocument/2006/relationships" xmlns:p="http://schemas.openxmlformats.org/presentationml/2006/main">
-  <p:cSld>
-    <p:spTree>
-      <p:nvGrpSpPr>
-        <p:cNvPr id="1" name=""/>
-        <p:cNvGrpSpPr/>
-        <p:nvPr/>
-      </p:nvGrpSpPr>
-      <p:grpSpPr>
-        <a:xfrm>
-          <a:off x="0" y="0"/>
-          <a:ext cx="0" cy="0"/>
-          <a:chOff x="0" y="0"/>
-          <a:chExt cx="0" cy="0"/>
-        </a:xfrm>
-      </p:grpSpPr>
-      <p:sp>
-        <p:nvSpPr>
-          <p:cNvPr id="2" name="Title 1"/>
-          <p:cNvSpPr>
-            <a:spLocks noGrp="1"/>
-          </p:cNvSpPr>
-          <p:nvPr>
-            <p:ph type="title"/>
-          </p:nvPr>
-        </p:nvSpPr>
-        <p:spPr/>
-        <p:txBody>
-          <a:bodyPr/>
-          <a:lstStyle/>
-          <a:p>
-            <a:r>
-              <a:rPr lang="en-US" dirty="0" smtClean="0"/>
-              <a:t>Security</a:t>
-            </a:r>
-            <a:endParaRPr lang="en-US" dirty="0"/>
-          </a:p>
-        </p:txBody>
-      </p:sp>
-      <p:sp>
-        <p:nvSpPr>
-          <p:cNvPr id="3" name="Content Placeholder 2"/>
-          <p:cNvSpPr>
-            <a:spLocks noGrp="1"/>
-          </p:cNvSpPr>
-          <p:nvPr>
-            <p:ph idx="1"/>
-          </p:nvPr>
-        </p:nvSpPr>
-        <p:spPr/>
-        <p:txBody>
-          <a:bodyPr/>
-          <a:lstStyle/>
-          <a:p>
-            <a:r>
-              <a:rPr lang="en-US" dirty="0" smtClean="0"/>
-              <a:t>Student needs to login into his application before scanning the QR.</a:t>
-            </a:r>
-          </a:p>
-          <a:p>
-            <a:r>
-              <a:rPr lang="en-US" dirty="0" smtClean="0"/>
-              <a:t>Time constraint to re-login into his account if once logged-out.</a:t>
-            </a:r>
-          </a:p>
-          <a:p>
-            <a:r>
-              <a:rPr lang="en-US" dirty="0" smtClean="0"/>
-              <a:t>Capturing of the QR code ensures that the student is present at the time of scanning the QR.</a:t>
-            </a:r>
-          </a:p>
-          <a:p>
-            <a:pPr marL="0" indent="0">
-              <a:buNone/>
-            </a:pPr>
-            <a:endParaRPr lang="en-US" dirty="0"/>
-          </a:p>
-        </p:txBody>
-      </p:sp>
-      <p:pic>
-        <p:nvPicPr>
-          <p:cNvPr id="4" name="image3.png"/>
-          <p:cNvPicPr/>
-          <p:nvPr/>
-        </p:nvPicPr>
-        <p:blipFill>
-          <a:blip r:embed="rId2"/>
-          <a:srcRect/>
-          <a:stretch>
-            <a:fillRect/>
-          </a:stretch>
-        </p:blipFill>
-        <p:spPr>
-          <a:xfrm>
-            <a:off x="9330689" y="624110"/>
-            <a:ext cx="2173923" cy="1164273"/>
-          </a:xfrm>
-          <a:prstGeom prst="rect">
-            <a:avLst/>
-          </a:prstGeom>
-          <a:ln/>
-        </p:spPr>
-      </p:pic>
-    </p:spTree>
-    <p:extLst>
-      <p:ext uri="{BB962C8B-B14F-4D97-AF65-F5344CB8AC3E}">
-        <p14:creationId xmlns:p14="http://schemas.microsoft.com/office/powerpoint/2010/main" val="3180684468"/>
       </p:ext>
     </p:extLst>
   </p:cSld>
@@ -8895,95 +9339,68 @@
           <a:p>
             <a:r>
               <a:rPr lang="en-US" dirty="0" smtClean="0"/>
-              <a:t>Challenges</a:t>
-            </a:r>
-            <a:endParaRPr lang="en-US" dirty="0"/>
-          </a:p>
-        </p:txBody>
-      </p:sp>
-      <p:sp>
-        <p:nvSpPr>
-          <p:cNvPr id="3" name="Content Placeholder 2"/>
-          <p:cNvSpPr>
-            <a:spLocks noGrp="1"/>
-          </p:cNvSpPr>
-          <p:nvPr>
-            <p:ph idx="1"/>
-          </p:nvPr>
-        </p:nvSpPr>
-        <p:spPr/>
-        <p:txBody>
-          <a:bodyPr>
-            <a:normAutofit/>
-          </a:bodyPr>
-          <a:lstStyle/>
-          <a:p>
-            <a:r>
-              <a:rPr lang="en" dirty="0"/>
-              <a:t>Generation of the Unique QR code for each time.</a:t>
-            </a:r>
-          </a:p>
-          <a:p>
-            <a:r>
-              <a:rPr lang="en-US" dirty="0"/>
-              <a:t>QR codes generated from two standalone applications are different.</a:t>
-            </a:r>
-            <a:endParaRPr lang="en" dirty="0"/>
-          </a:p>
-          <a:p>
-            <a:r>
-              <a:rPr lang="en-US" dirty="0"/>
-              <a:t>Database that can connect cross platform applications for no cost.</a:t>
-            </a:r>
-          </a:p>
-          <a:p>
-            <a:r>
-              <a:rPr lang="en-US" dirty="0"/>
-              <a:t>Scanning </a:t>
-            </a:r>
-            <a:r>
-              <a:rPr lang="en-US" dirty="0"/>
-              <a:t>and capturing QR code in a single </a:t>
-            </a:r>
-            <a:r>
-              <a:rPr lang="en-US" dirty="0"/>
-              <a:t>functionality.</a:t>
-            </a:r>
-            <a:endParaRPr lang="en-US" dirty="0"/>
-          </a:p>
-          <a:p>
+              <a:t>Software Architecture</a:t>
+            </a:r>
             <a:endParaRPr lang="en-US" dirty="0"/>
           </a:p>
         </p:txBody>
       </p:sp>
       <p:pic>
         <p:nvPicPr>
-          <p:cNvPr id="4" name="image3.png"/>
-          <p:cNvPicPr/>
-          <p:nvPr/>
+          <p:cNvPr id="5" name="Content Placeholder 4"/>
+          <p:cNvPicPr>
+            <a:picLocks noGrp="1" noChangeAspect="1"/>
+          </p:cNvPicPr>
+          <p:nvPr>
+            <p:ph idx="1"/>
+          </p:nvPr>
         </p:nvPicPr>
         <p:blipFill>
-          <a:blip r:embed="rId2"/>
-          <a:srcRect/>
+          <a:blip r:embed="rId2">
+            <a:extLst>
+              <a:ext uri="{28A0092B-C50C-407E-A947-70E740481C1C}">
+                <a14:useLocalDpi xmlns:a14="http://schemas.microsoft.com/office/drawing/2010/main" val="0"/>
+              </a:ext>
+            </a:extLst>
+          </a:blip>
           <a:stretch>
             <a:fillRect/>
           </a:stretch>
         </p:blipFill>
         <p:spPr>
           <a:xfrm>
-            <a:off x="9330689" y="624110"/>
-            <a:ext cx="2173923" cy="1164273"/>
+            <a:off x="2592925" y="1738649"/>
+            <a:ext cx="9397784" cy="4778061"/>
           </a:xfrm>
-          <a:prstGeom prst="rect">
-            <a:avLst/>
-          </a:prstGeom>
-          <a:ln/>
         </p:spPr>
       </p:pic>
+      <p:sp>
+        <p:nvSpPr>
+          <p:cNvPr id="4" name="Slide Number Placeholder 3"/>
+          <p:cNvSpPr>
+            <a:spLocks noGrp="1"/>
+          </p:cNvSpPr>
+          <p:nvPr>
+            <p:ph type="sldNum" sz="quarter" idx="12"/>
+          </p:nvPr>
+        </p:nvSpPr>
+        <p:spPr/>
+        <p:txBody>
+          <a:bodyPr/>
+          <a:lstStyle/>
+          <a:p>
+            <a:fld id="{69AC24DB-4626-4986-8B7C-F487BF5680B4}" type="slidenum">
+              <a:rPr lang="en-US" smtClean="0"/>
+              <a:t>12</a:t>
+            </a:fld>
+            <a:endParaRPr lang="en-US"/>
+          </a:p>
+        </p:txBody>
+      </p:sp>
     </p:spTree>
     <p:extLst>
       <p:ext uri="{BB962C8B-B14F-4D97-AF65-F5344CB8AC3E}">
-        <p14:creationId xmlns:p14="http://schemas.microsoft.com/office/powerpoint/2010/main" val="4023203877"/>
+        <p14:creationId xmlns:p14="http://schemas.microsoft.com/office/powerpoint/2010/main" val="3859691895"/>
       </p:ext>
     </p:extLst>
   </p:cSld>
@@ -9034,60 +9451,46 @@
           <a:p>
             <a:r>
               <a:rPr lang="en-US" dirty="0" smtClean="0"/>
-              <a:t>Strategy</a:t>
+              <a:t>Architecture</a:t>
             </a:r>
             <a:endParaRPr lang="en-US" dirty="0"/>
-          </a:p>
-        </p:txBody>
-      </p:sp>
-      <p:sp>
-        <p:nvSpPr>
-          <p:cNvPr id="3" name="Content Placeholder 2"/>
-          <p:cNvSpPr>
-            <a:spLocks noGrp="1"/>
-          </p:cNvSpPr>
-          <p:nvPr>
-            <p:ph idx="1"/>
-          </p:nvPr>
-        </p:nvSpPr>
-        <p:spPr/>
-        <p:txBody>
-          <a:bodyPr/>
-          <a:lstStyle/>
-          <a:p>
-            <a:r>
-              <a:rPr lang="en-US" dirty="0" smtClean="0"/>
-              <a:t>Developing of a system which initially generates a QR code uniquely every time.</a:t>
-            </a:r>
-          </a:p>
-          <a:p>
-            <a:r>
-              <a:rPr lang="en-US" dirty="0" smtClean="0"/>
-              <a:t>Scan the uniquely generated QR from a mobile device sending the details of the student scanned the QR to the professor.</a:t>
-            </a:r>
-          </a:p>
-          <a:p>
-            <a:r>
-              <a:rPr lang="en-US" dirty="0" smtClean="0"/>
-              <a:t>Then finally work on the user interface.</a:t>
-            </a:r>
-          </a:p>
-          <a:p>
-            <a:pPr marL="0" indent="0">
-              <a:buNone/>
-            </a:pPr>
-            <a:endParaRPr lang="en-US" dirty="0" smtClean="0"/>
           </a:p>
         </p:txBody>
       </p:sp>
       <p:pic>
         <p:nvPicPr>
-          <p:cNvPr id="4" name="image3.png"/>
+          <p:cNvPr id="4" name="Content Placeholder 3"/>
+          <p:cNvPicPr>
+            <a:picLocks noGrp="1" noChangeAspect="1"/>
+          </p:cNvPicPr>
+          <p:nvPr>
+            <p:ph idx="1"/>
+          </p:nvPr>
+        </p:nvPicPr>
+        <p:blipFill>
+          <a:blip r:embed="rId2"/>
+          <a:stretch>
+            <a:fillRect/>
+          </a:stretch>
+        </p:blipFill>
+        <p:spPr>
+          <a:xfrm>
+            <a:off x="3100290" y="1905000"/>
+            <a:ext cx="7317360" cy="3817223"/>
+          </a:xfrm>
+          <a:prstGeom prst="rect">
+            <a:avLst/>
+          </a:prstGeom>
+        </p:spPr>
+      </p:pic>
+      <p:pic>
+        <p:nvPicPr>
+          <p:cNvPr id="6" name="image3.png"/>
           <p:cNvPicPr/>
           <p:nvPr/>
         </p:nvPicPr>
         <p:blipFill>
-          <a:blip r:embed="rId2"/>
+          <a:blip r:embed="rId3"/>
           <a:srcRect/>
           <a:stretch>
             <a:fillRect/>
@@ -9104,10 +9507,95 @@
           <a:ln/>
         </p:spPr>
       </p:pic>
+      <p:sp>
+        <p:nvSpPr>
+          <p:cNvPr id="3" name="TextBox 2"/>
+          <p:cNvSpPr txBox="1"/>
+          <p:nvPr/>
+        </p:nvSpPr>
+        <p:spPr>
+          <a:xfrm rot="21294728">
+            <a:off x="5711500" y="2466035"/>
+            <a:ext cx="2972435" cy="400110"/>
+          </a:xfrm>
+          <a:prstGeom prst="rect">
+            <a:avLst/>
+          </a:prstGeom>
+          <a:noFill/>
+        </p:spPr>
+        <p:txBody>
+          <a:bodyPr wrap="square" rtlCol="0">
+            <a:spAutoFit/>
+          </a:bodyPr>
+          <a:lstStyle/>
+          <a:p>
+            <a:r>
+              <a:rPr lang="en-US" sz="1000" dirty="0" smtClean="0"/>
+              <a:t>Retrieve the data from the database and upload it back to the database</a:t>
+            </a:r>
+            <a:endParaRPr lang="en-US" sz="1000" dirty="0"/>
+          </a:p>
+        </p:txBody>
+      </p:sp>
+      <p:sp>
+        <p:nvSpPr>
+          <p:cNvPr id="7" name="Slide Number Placeholder 6"/>
+          <p:cNvSpPr>
+            <a:spLocks noGrp="1"/>
+          </p:cNvSpPr>
+          <p:nvPr>
+            <p:ph type="sldNum" sz="quarter" idx="12"/>
+          </p:nvPr>
+        </p:nvSpPr>
+        <p:spPr/>
+        <p:txBody>
+          <a:bodyPr/>
+          <a:lstStyle/>
+          <a:p>
+            <a:fld id="{69AC24DB-4626-4986-8B7C-F487BF5680B4}" type="slidenum">
+              <a:rPr lang="en-US" smtClean="0"/>
+              <a:t>13</a:t>
+            </a:fld>
+            <a:endParaRPr lang="en-US"/>
+          </a:p>
+        </p:txBody>
+      </p:sp>
+      <p:sp>
+        <p:nvSpPr>
+          <p:cNvPr id="5" name="TextBox 4"/>
+          <p:cNvSpPr txBox="1"/>
+          <p:nvPr/>
+        </p:nvSpPr>
+        <p:spPr>
+          <a:xfrm>
+            <a:off x="5820577" y="5838840"/>
+            <a:ext cx="2754280" cy="646331"/>
+          </a:xfrm>
+          <a:prstGeom prst="rect">
+            <a:avLst/>
+          </a:prstGeom>
+          <a:noFill/>
+        </p:spPr>
+        <p:txBody>
+          <a:bodyPr wrap="none" rtlCol="0">
+            <a:spAutoFit/>
+          </a:bodyPr>
+          <a:lstStyle/>
+          <a:p>
+            <a:r>
+              <a:rPr lang="en-US" dirty="0" smtClean="0"/>
+              <a:t>Hardware Architecture</a:t>
+            </a:r>
+          </a:p>
+          <a:p>
+            <a:endParaRPr lang="en-US" dirty="0"/>
+          </a:p>
+        </p:txBody>
+      </p:sp>
     </p:spTree>
     <p:extLst>
       <p:ext uri="{BB962C8B-B14F-4D97-AF65-F5344CB8AC3E}">
-        <p14:creationId xmlns:p14="http://schemas.microsoft.com/office/powerpoint/2010/main" val="1346519986"/>
+        <p14:creationId xmlns:p14="http://schemas.microsoft.com/office/powerpoint/2010/main" val="2691368150"/>
       </p:ext>
     </p:extLst>
   </p:cSld>
@@ -9158,7 +9646,7 @@
           <a:p>
             <a:r>
               <a:rPr lang="en-US" dirty="0" smtClean="0"/>
-              <a:t>Estimation</a:t>
+              <a:t>Project Management Plan</a:t>
             </a:r>
             <a:endParaRPr lang="en-US" dirty="0"/>
           </a:p>
@@ -9176,54 +9664,61 @@
         </p:nvSpPr>
         <p:spPr/>
         <p:txBody>
-          <a:bodyPr>
-            <a:normAutofit/>
-          </a:bodyPr>
-          <a:lstStyle/>
-          <a:p>
-            <a:pPr algn="just"/>
+          <a:bodyPr/>
+          <a:lstStyle/>
+          <a:p>
             <a:r>
               <a:rPr lang="en-US" dirty="0"/>
-              <a:t>Our rough estimation is around </a:t>
-            </a:r>
+              <a:t>Project Management Plan includes:</a:t>
+            </a:r>
+          </a:p>
+          <a:p>
+            <a:pPr lvl="1"/>
             <a:r>
               <a:rPr lang="en-US" dirty="0"/>
-              <a:t>6000 lines </a:t>
-            </a:r>
+              <a:t>Scope Management Plan</a:t>
+            </a:r>
+          </a:p>
+          <a:p>
+            <a:pPr lvl="1"/>
             <a:r>
               <a:rPr lang="en-US" dirty="0"/>
-              <a:t>of code</a:t>
-            </a:r>
-          </a:p>
-          <a:p>
-            <a:pPr algn="just"/>
+              <a:t>Communication Management Plan </a:t>
+            </a:r>
+          </a:p>
+          <a:p>
+            <a:pPr lvl="1"/>
             <a:r>
               <a:rPr lang="en-US" dirty="0"/>
-              <a:t>Equal </a:t>
-            </a:r>
+              <a:t>Cost management plan</a:t>
+            </a:r>
+          </a:p>
+          <a:p>
+            <a:pPr lvl="1"/>
             <a:r>
               <a:rPr lang="en-US" dirty="0"/>
-              <a:t>distribution of tasks among team members</a:t>
-            </a:r>
+              <a:t>Schedule management plan</a:t>
+            </a:r>
+          </a:p>
+          <a:p>
+            <a:pPr lvl="1"/>
             <a:r>
               <a:rPr lang="en-US" dirty="0"/>
-              <a:t>.</a:t>
-            </a:r>
-          </a:p>
-          <a:p>
-            <a:pPr algn="just"/>
+              <a:t>Quality Management plan</a:t>
+            </a:r>
+          </a:p>
+          <a:p>
+            <a:pPr lvl="1"/>
             <a:r>
               <a:rPr lang="en-US" dirty="0"/>
-              <a:t>Will complete the project by the end of 11 week of GDP 2.</a:t>
-            </a:r>
+              <a:t>Risk Management plan</a:t>
+            </a:r>
+          </a:p>
+          <a:p>
+            <a:pPr marL="0" indent="0">
+              <a:buNone/>
+            </a:pPr>
             <a:endParaRPr lang="en-US" dirty="0"/>
-          </a:p>
-          <a:p>
-            <a:pPr algn="just"/>
-            <a:r>
-              <a:rPr lang="en-US" dirty="0"/>
-              <a:t>About 5180 hours of combined team work in GDP 1 and 2.</a:t>
-            </a:r>
           </a:p>
         </p:txBody>
       </p:sp>
@@ -9251,10 +9746,33 @@
           <a:ln/>
         </p:spPr>
       </p:pic>
+      <p:sp>
+        <p:nvSpPr>
+          <p:cNvPr id="5" name="Slide Number Placeholder 4"/>
+          <p:cNvSpPr>
+            <a:spLocks noGrp="1"/>
+          </p:cNvSpPr>
+          <p:nvPr>
+            <p:ph type="sldNum" sz="quarter" idx="12"/>
+          </p:nvPr>
+        </p:nvSpPr>
+        <p:spPr/>
+        <p:txBody>
+          <a:bodyPr/>
+          <a:lstStyle/>
+          <a:p>
+            <a:fld id="{69AC24DB-4626-4986-8B7C-F487BF5680B4}" type="slidenum">
+              <a:rPr lang="en-US" smtClean="0"/>
+              <a:t>14</a:t>
+            </a:fld>
+            <a:endParaRPr lang="en-US"/>
+          </a:p>
+        </p:txBody>
+      </p:sp>
     </p:spTree>
     <p:extLst>
       <p:ext uri="{BB962C8B-B14F-4D97-AF65-F5344CB8AC3E}">
-        <p14:creationId xmlns:p14="http://schemas.microsoft.com/office/powerpoint/2010/main" val="2571910659"/>
+        <p14:creationId xmlns:p14="http://schemas.microsoft.com/office/powerpoint/2010/main" val="2149939236"/>
       </p:ext>
     </p:extLst>
   </p:cSld>
@@ -9305,7 +9823,7 @@
           <a:p>
             <a:r>
               <a:rPr lang="en-US" dirty="0" smtClean="0"/>
-              <a:t>Conclusion</a:t>
+              <a:t>Security</a:t>
             </a:r>
             <a:endParaRPr lang="en-US" dirty="0"/>
           </a:p>
@@ -9328,14 +9846,25 @@
           <a:p>
             <a:r>
               <a:rPr lang="en-US" dirty="0" smtClean="0"/>
-              <a:t>Generating of the QR code and tracking the attendance of the students would help both the students and the instructor’s save the time.</a:t>
+              <a:t>Student needs to login into his application before scanning the QR.</a:t>
             </a:r>
           </a:p>
           <a:p>
             <a:r>
               <a:rPr lang="en-US" dirty="0" smtClean="0"/>
-              <a:t>This approach could be used by any institution for a better, flexible and an abuse free system.</a:t>
-            </a:r>
+              <a:t>Time constraint to re-login into his account if once logged-out.</a:t>
+            </a:r>
+          </a:p>
+          <a:p>
+            <a:r>
+              <a:rPr lang="en-US" dirty="0" smtClean="0"/>
+              <a:t>Capturing of the QR code ensures that the student is present at the time of scanning the QR.</a:t>
+            </a:r>
+          </a:p>
+          <a:p>
+            <a:pPr marL="0" indent="0">
+              <a:buNone/>
+            </a:pPr>
             <a:endParaRPr lang="en-US" dirty="0"/>
           </a:p>
         </p:txBody>
@@ -9364,10 +9893,33 @@
           <a:ln/>
         </p:spPr>
       </p:pic>
+      <p:sp>
+        <p:nvSpPr>
+          <p:cNvPr id="5" name="Slide Number Placeholder 4"/>
+          <p:cNvSpPr>
+            <a:spLocks noGrp="1"/>
+          </p:cNvSpPr>
+          <p:nvPr>
+            <p:ph type="sldNum" sz="quarter" idx="12"/>
+          </p:nvPr>
+        </p:nvSpPr>
+        <p:spPr/>
+        <p:txBody>
+          <a:bodyPr/>
+          <a:lstStyle/>
+          <a:p>
+            <a:fld id="{69AC24DB-4626-4986-8B7C-F487BF5680B4}" type="slidenum">
+              <a:rPr lang="en-US" smtClean="0"/>
+              <a:t>15</a:t>
+            </a:fld>
+            <a:endParaRPr lang="en-US"/>
+          </a:p>
+        </p:txBody>
+      </p:sp>
     </p:spTree>
     <p:extLst>
       <p:ext uri="{BB962C8B-B14F-4D97-AF65-F5344CB8AC3E}">
-        <p14:creationId xmlns:p14="http://schemas.microsoft.com/office/powerpoint/2010/main" val="3629648377"/>
+        <p14:creationId xmlns:p14="http://schemas.microsoft.com/office/powerpoint/2010/main" val="3180684468"/>
       </p:ext>
     </p:extLst>
   </p:cSld>
@@ -9411,30 +9963,103 @@
             <p:ph type="title"/>
           </p:nvPr>
         </p:nvSpPr>
-        <p:spPr>
-          <a:xfrm>
-            <a:off x="2708835" y="2865034"/>
-            <a:ext cx="8911687" cy="1280890"/>
-          </a:xfrm>
-        </p:spPr>
+        <p:spPr/>
+        <p:txBody>
+          <a:bodyPr/>
+          <a:lstStyle/>
+          <a:p>
+            <a:r>
+              <a:rPr lang="en-US" dirty="0" smtClean="0"/>
+              <a:t>Challenges</a:t>
+            </a:r>
+            <a:endParaRPr lang="en-US" dirty="0"/>
+          </a:p>
+        </p:txBody>
+      </p:sp>
+      <p:sp>
+        <p:nvSpPr>
+          <p:cNvPr id="3" name="Content Placeholder 2"/>
+          <p:cNvSpPr>
+            <a:spLocks noGrp="1"/>
+          </p:cNvSpPr>
+          <p:nvPr>
+            <p:ph idx="1"/>
+          </p:nvPr>
+        </p:nvSpPr>
+        <p:spPr/>
         <p:txBody>
           <a:bodyPr>
             <a:normAutofit/>
           </a:bodyPr>
           <a:lstStyle/>
           <a:p>
-            <a:pPr algn="ctr"/>
-            <a:r>
-              <a:rPr lang="en-US" sz="6600" b="1" dirty="0" smtClean="0">
-                <a:latin typeface="Times New Roman" panose="02020603050405020304" pitchFamily="18" charset="0"/>
-                <a:cs typeface="Times New Roman" panose="02020603050405020304" pitchFamily="18" charset="0"/>
-              </a:rPr>
-              <a:t>Thank you </a:t>
-            </a:r>
-            <a:endParaRPr lang="en-US" sz="6600" b="1" dirty="0">
-              <a:latin typeface="Times New Roman" panose="02020603050405020304" pitchFamily="18" charset="0"/>
-              <a:cs typeface="Times New Roman" panose="02020603050405020304" pitchFamily="18" charset="0"/>
-            </a:endParaRPr>
+            <a:r>
+              <a:rPr lang="en" dirty="0"/>
+              <a:t>Generation of the Unique QR code for each time</a:t>
+            </a:r>
+            <a:r>
+              <a:rPr lang="en" dirty="0" smtClean="0"/>
+              <a:t>.</a:t>
+            </a:r>
+          </a:p>
+          <a:p>
+            <a:pPr lvl="1"/>
+            <a:r>
+              <a:rPr lang="en" dirty="0" smtClean="0"/>
+              <a:t>Using the constraints such as unique CRN, time at which class meets.</a:t>
+            </a:r>
+            <a:endParaRPr lang="en" dirty="0"/>
+          </a:p>
+          <a:p>
+            <a:r>
+              <a:rPr lang="en-US" dirty="0"/>
+              <a:t>QR codes generated from two standalone applications are different</a:t>
+            </a:r>
+            <a:r>
+              <a:rPr lang="en-US" dirty="0" smtClean="0"/>
+              <a:t>.</a:t>
+            </a:r>
+          </a:p>
+          <a:p>
+            <a:pPr lvl="1"/>
+            <a:r>
+              <a:rPr lang="en-US" dirty="0" smtClean="0"/>
+              <a:t>Using the random captcha to generate the different QR code.</a:t>
+            </a:r>
+            <a:endParaRPr lang="en" dirty="0"/>
+          </a:p>
+          <a:p>
+            <a:r>
+              <a:rPr lang="en-US" dirty="0"/>
+              <a:t>Database that can connect cross platform applications for no cost</a:t>
+            </a:r>
+            <a:r>
+              <a:rPr lang="en-US" dirty="0" smtClean="0"/>
+              <a:t>.</a:t>
+            </a:r>
+          </a:p>
+          <a:p>
+            <a:r>
+              <a:rPr lang="en-US" dirty="0" smtClean="0"/>
+              <a:t>Scanning </a:t>
+            </a:r>
+            <a:r>
+              <a:rPr lang="en-US" dirty="0"/>
+              <a:t>and capturing QR code in a single functionality</a:t>
+            </a:r>
+            <a:r>
+              <a:rPr lang="en-US" dirty="0" smtClean="0"/>
+              <a:t>.</a:t>
+            </a:r>
+          </a:p>
+          <a:p>
+            <a:pPr marL="457200" lvl="1" indent="0">
+              <a:buNone/>
+            </a:pPr>
+            <a:endParaRPr lang="en-US" dirty="0"/>
+          </a:p>
+          <a:p>
+            <a:endParaRPr lang="en-US" dirty="0"/>
           </a:p>
         </p:txBody>
       </p:sp>
@@ -9462,10 +10087,469 @@
           <a:ln/>
         </p:spPr>
       </p:pic>
+      <p:sp>
+        <p:nvSpPr>
+          <p:cNvPr id="5" name="Slide Number Placeholder 4"/>
+          <p:cNvSpPr>
+            <a:spLocks noGrp="1"/>
+          </p:cNvSpPr>
+          <p:nvPr>
+            <p:ph type="sldNum" sz="quarter" idx="12"/>
+          </p:nvPr>
+        </p:nvSpPr>
+        <p:spPr/>
+        <p:txBody>
+          <a:bodyPr/>
+          <a:lstStyle/>
+          <a:p>
+            <a:fld id="{69AC24DB-4626-4986-8B7C-F487BF5680B4}" type="slidenum">
+              <a:rPr lang="en-US" smtClean="0"/>
+              <a:t>16</a:t>
+            </a:fld>
+            <a:endParaRPr lang="en-US"/>
+          </a:p>
+        </p:txBody>
+      </p:sp>
     </p:spTree>
     <p:extLst>
       <p:ext uri="{BB962C8B-B14F-4D97-AF65-F5344CB8AC3E}">
-        <p14:creationId xmlns:p14="http://schemas.microsoft.com/office/powerpoint/2010/main" val="1064550519"/>
+        <p14:creationId xmlns:p14="http://schemas.microsoft.com/office/powerpoint/2010/main" val="4023203877"/>
+      </p:ext>
+    </p:extLst>
+  </p:cSld>
+  <p:clrMapOvr>
+    <a:masterClrMapping/>
+  </p:clrMapOvr>
+  <p:timing>
+    <p:tnLst>
+      <p:par>
+        <p:cTn id="1" dur="indefinite" restart="never" nodeType="tmRoot"/>
+      </p:par>
+    </p:tnLst>
+  </p:timing>
+</p:sld>
+</file>
+
+<file path=ppt/slides/slide17.xml><?xml version="1.0" encoding="utf-8"?>
+<p:sld xmlns:a="http://schemas.openxmlformats.org/drawingml/2006/main" xmlns:r="http://schemas.openxmlformats.org/officeDocument/2006/relationships" xmlns:p="http://schemas.openxmlformats.org/presentationml/2006/main">
+  <p:cSld>
+    <p:spTree>
+      <p:nvGrpSpPr>
+        <p:cNvPr id="1" name=""/>
+        <p:cNvGrpSpPr/>
+        <p:nvPr/>
+      </p:nvGrpSpPr>
+      <p:grpSpPr>
+        <a:xfrm>
+          <a:off x="0" y="0"/>
+          <a:ext cx="0" cy="0"/>
+          <a:chOff x="0" y="0"/>
+          <a:chExt cx="0" cy="0"/>
+        </a:xfrm>
+      </p:grpSpPr>
+      <p:sp>
+        <p:nvSpPr>
+          <p:cNvPr id="2" name="Title 1"/>
+          <p:cNvSpPr>
+            <a:spLocks noGrp="1"/>
+          </p:cNvSpPr>
+          <p:nvPr>
+            <p:ph type="title"/>
+          </p:nvPr>
+        </p:nvSpPr>
+        <p:spPr/>
+        <p:txBody>
+          <a:bodyPr/>
+          <a:lstStyle/>
+          <a:p>
+            <a:r>
+              <a:rPr lang="en-US" dirty="0" smtClean="0"/>
+              <a:t>Strategy</a:t>
+            </a:r>
+            <a:endParaRPr lang="en-US" dirty="0"/>
+          </a:p>
+        </p:txBody>
+      </p:sp>
+      <p:sp>
+        <p:nvSpPr>
+          <p:cNvPr id="3" name="Content Placeholder 2"/>
+          <p:cNvSpPr>
+            <a:spLocks noGrp="1"/>
+          </p:cNvSpPr>
+          <p:nvPr>
+            <p:ph idx="1"/>
+          </p:nvPr>
+        </p:nvSpPr>
+        <p:spPr/>
+        <p:txBody>
+          <a:bodyPr/>
+          <a:lstStyle/>
+          <a:p>
+            <a:r>
+              <a:rPr lang="en-US" dirty="0" smtClean="0"/>
+              <a:t>Developing of a system which initially generates a QR code uniquely every time.</a:t>
+            </a:r>
+          </a:p>
+          <a:p>
+            <a:r>
+              <a:rPr lang="en-US" dirty="0" smtClean="0"/>
+              <a:t>Scan the uniquely generated QR from a mobile device sending the details of the student scanned the QR to the professor.</a:t>
+            </a:r>
+          </a:p>
+          <a:p>
+            <a:r>
+              <a:rPr lang="en-US" dirty="0" smtClean="0"/>
+              <a:t>Then finally work on the user interface.</a:t>
+            </a:r>
+          </a:p>
+          <a:p>
+            <a:pPr marL="0" indent="0">
+              <a:buNone/>
+            </a:pPr>
+            <a:endParaRPr lang="en-US" dirty="0" smtClean="0"/>
+          </a:p>
+        </p:txBody>
+      </p:sp>
+      <p:pic>
+        <p:nvPicPr>
+          <p:cNvPr id="4" name="image3.png"/>
+          <p:cNvPicPr/>
+          <p:nvPr/>
+        </p:nvPicPr>
+        <p:blipFill>
+          <a:blip r:embed="rId2"/>
+          <a:srcRect/>
+          <a:stretch>
+            <a:fillRect/>
+          </a:stretch>
+        </p:blipFill>
+        <p:spPr>
+          <a:xfrm>
+            <a:off x="9330689" y="624110"/>
+            <a:ext cx="2173923" cy="1164273"/>
+          </a:xfrm>
+          <a:prstGeom prst="rect">
+            <a:avLst/>
+          </a:prstGeom>
+          <a:ln/>
+        </p:spPr>
+      </p:pic>
+      <p:sp>
+        <p:nvSpPr>
+          <p:cNvPr id="5" name="Slide Number Placeholder 4"/>
+          <p:cNvSpPr>
+            <a:spLocks noGrp="1"/>
+          </p:cNvSpPr>
+          <p:nvPr>
+            <p:ph type="sldNum" sz="quarter" idx="12"/>
+          </p:nvPr>
+        </p:nvSpPr>
+        <p:spPr/>
+        <p:txBody>
+          <a:bodyPr/>
+          <a:lstStyle/>
+          <a:p>
+            <a:fld id="{69AC24DB-4626-4986-8B7C-F487BF5680B4}" type="slidenum">
+              <a:rPr lang="en-US" smtClean="0"/>
+              <a:t>17</a:t>
+            </a:fld>
+            <a:endParaRPr lang="en-US"/>
+          </a:p>
+        </p:txBody>
+      </p:sp>
+    </p:spTree>
+    <p:extLst>
+      <p:ext uri="{BB962C8B-B14F-4D97-AF65-F5344CB8AC3E}">
+        <p14:creationId xmlns:p14="http://schemas.microsoft.com/office/powerpoint/2010/main" val="1346519986"/>
+      </p:ext>
+    </p:extLst>
+  </p:cSld>
+  <p:clrMapOvr>
+    <a:masterClrMapping/>
+  </p:clrMapOvr>
+  <p:timing>
+    <p:tnLst>
+      <p:par>
+        <p:cTn id="1" dur="indefinite" restart="never" nodeType="tmRoot"/>
+      </p:par>
+    </p:tnLst>
+  </p:timing>
+</p:sld>
+</file>
+
+<file path=ppt/slides/slide18.xml><?xml version="1.0" encoding="utf-8"?>
+<p:sld xmlns:a="http://schemas.openxmlformats.org/drawingml/2006/main" xmlns:r="http://schemas.openxmlformats.org/officeDocument/2006/relationships" xmlns:p="http://schemas.openxmlformats.org/presentationml/2006/main">
+  <p:cSld>
+    <p:spTree>
+      <p:nvGrpSpPr>
+        <p:cNvPr id="1" name=""/>
+        <p:cNvGrpSpPr/>
+        <p:nvPr/>
+      </p:nvGrpSpPr>
+      <p:grpSpPr>
+        <a:xfrm>
+          <a:off x="0" y="0"/>
+          <a:ext cx="0" cy="0"/>
+          <a:chOff x="0" y="0"/>
+          <a:chExt cx="0" cy="0"/>
+        </a:xfrm>
+      </p:grpSpPr>
+      <p:sp>
+        <p:nvSpPr>
+          <p:cNvPr id="2" name="Title 1"/>
+          <p:cNvSpPr>
+            <a:spLocks noGrp="1"/>
+          </p:cNvSpPr>
+          <p:nvPr>
+            <p:ph type="title"/>
+          </p:nvPr>
+        </p:nvSpPr>
+        <p:spPr/>
+        <p:txBody>
+          <a:bodyPr/>
+          <a:lstStyle/>
+          <a:p>
+            <a:r>
+              <a:rPr lang="en-US" dirty="0" smtClean="0"/>
+              <a:t>Estimation</a:t>
+            </a:r>
+            <a:endParaRPr lang="en-US" dirty="0"/>
+          </a:p>
+        </p:txBody>
+      </p:sp>
+      <p:sp>
+        <p:nvSpPr>
+          <p:cNvPr id="3" name="Content Placeholder 2"/>
+          <p:cNvSpPr>
+            <a:spLocks noGrp="1"/>
+          </p:cNvSpPr>
+          <p:nvPr>
+            <p:ph idx="1"/>
+          </p:nvPr>
+        </p:nvSpPr>
+        <p:spPr/>
+        <p:txBody>
+          <a:bodyPr>
+            <a:normAutofit/>
+          </a:bodyPr>
+          <a:lstStyle/>
+          <a:p>
+            <a:pPr algn="just"/>
+            <a:r>
+              <a:rPr lang="en-US" dirty="0"/>
+              <a:t>Our rough estimation is around 6000 lines of code</a:t>
+            </a:r>
+          </a:p>
+          <a:p>
+            <a:pPr algn="just"/>
+            <a:r>
+              <a:rPr lang="en-US" dirty="0"/>
+              <a:t>Equal distribution of tasks among team members.</a:t>
+            </a:r>
+          </a:p>
+          <a:p>
+            <a:pPr algn="just"/>
+            <a:r>
+              <a:rPr lang="en-US" dirty="0"/>
+              <a:t>Will complete the project by the end of 11 week of GDP 2.</a:t>
+            </a:r>
+          </a:p>
+          <a:p>
+            <a:pPr algn="just"/>
+            <a:r>
+              <a:rPr lang="en-US" dirty="0"/>
+              <a:t>About 5180 hours of combined team work in GDP 1 and 2.</a:t>
+            </a:r>
+          </a:p>
+        </p:txBody>
+      </p:sp>
+      <p:pic>
+        <p:nvPicPr>
+          <p:cNvPr id="4" name="image3.png"/>
+          <p:cNvPicPr/>
+          <p:nvPr/>
+        </p:nvPicPr>
+        <p:blipFill>
+          <a:blip r:embed="rId2"/>
+          <a:srcRect/>
+          <a:stretch>
+            <a:fillRect/>
+          </a:stretch>
+        </p:blipFill>
+        <p:spPr>
+          <a:xfrm>
+            <a:off x="9330689" y="624110"/>
+            <a:ext cx="2173923" cy="1164273"/>
+          </a:xfrm>
+          <a:prstGeom prst="rect">
+            <a:avLst/>
+          </a:prstGeom>
+          <a:ln/>
+        </p:spPr>
+      </p:pic>
+      <p:sp>
+        <p:nvSpPr>
+          <p:cNvPr id="5" name="Slide Number Placeholder 4"/>
+          <p:cNvSpPr>
+            <a:spLocks noGrp="1"/>
+          </p:cNvSpPr>
+          <p:nvPr>
+            <p:ph type="sldNum" sz="quarter" idx="12"/>
+          </p:nvPr>
+        </p:nvSpPr>
+        <p:spPr/>
+        <p:txBody>
+          <a:bodyPr/>
+          <a:lstStyle/>
+          <a:p>
+            <a:fld id="{69AC24DB-4626-4986-8B7C-F487BF5680B4}" type="slidenum">
+              <a:rPr lang="en-US" smtClean="0"/>
+              <a:t>18</a:t>
+            </a:fld>
+            <a:endParaRPr lang="en-US"/>
+          </a:p>
+        </p:txBody>
+      </p:sp>
+    </p:spTree>
+    <p:extLst>
+      <p:ext uri="{BB962C8B-B14F-4D97-AF65-F5344CB8AC3E}">
+        <p14:creationId xmlns:p14="http://schemas.microsoft.com/office/powerpoint/2010/main" val="2571910659"/>
+      </p:ext>
+    </p:extLst>
+  </p:cSld>
+  <p:clrMapOvr>
+    <a:masterClrMapping/>
+  </p:clrMapOvr>
+  <p:timing>
+    <p:tnLst>
+      <p:par>
+        <p:cTn id="1" dur="indefinite" restart="never" nodeType="tmRoot"/>
+      </p:par>
+    </p:tnLst>
+  </p:timing>
+</p:sld>
+</file>
+
+<file path=ppt/slides/slide19.xml><?xml version="1.0" encoding="utf-8"?>
+<p:sld xmlns:a="http://schemas.openxmlformats.org/drawingml/2006/main" xmlns:r="http://schemas.openxmlformats.org/officeDocument/2006/relationships" xmlns:p="http://schemas.openxmlformats.org/presentationml/2006/main">
+  <p:cSld>
+    <p:spTree>
+      <p:nvGrpSpPr>
+        <p:cNvPr id="1" name=""/>
+        <p:cNvGrpSpPr/>
+        <p:nvPr/>
+      </p:nvGrpSpPr>
+      <p:grpSpPr>
+        <a:xfrm>
+          <a:off x="0" y="0"/>
+          <a:ext cx="0" cy="0"/>
+          <a:chOff x="0" y="0"/>
+          <a:chExt cx="0" cy="0"/>
+        </a:xfrm>
+      </p:grpSpPr>
+      <p:sp>
+        <p:nvSpPr>
+          <p:cNvPr id="2" name="Title 1"/>
+          <p:cNvSpPr>
+            <a:spLocks noGrp="1"/>
+          </p:cNvSpPr>
+          <p:nvPr>
+            <p:ph type="title"/>
+          </p:nvPr>
+        </p:nvSpPr>
+        <p:spPr/>
+        <p:txBody>
+          <a:bodyPr/>
+          <a:lstStyle/>
+          <a:p>
+            <a:r>
+              <a:rPr lang="en-US" dirty="0" smtClean="0"/>
+              <a:t>Conclusion</a:t>
+            </a:r>
+            <a:endParaRPr lang="en-US" dirty="0"/>
+          </a:p>
+        </p:txBody>
+      </p:sp>
+      <p:sp>
+        <p:nvSpPr>
+          <p:cNvPr id="3" name="Content Placeholder 2"/>
+          <p:cNvSpPr>
+            <a:spLocks noGrp="1"/>
+          </p:cNvSpPr>
+          <p:nvPr>
+            <p:ph idx="1"/>
+          </p:nvPr>
+        </p:nvSpPr>
+        <p:spPr/>
+        <p:txBody>
+          <a:bodyPr/>
+          <a:lstStyle/>
+          <a:p>
+            <a:r>
+              <a:rPr lang="en-US" dirty="0" smtClean="0"/>
+              <a:t>Generating of the QR code and tracking the attendance of the students would help both the students and the instructor’s save the time.</a:t>
+            </a:r>
+          </a:p>
+          <a:p>
+            <a:r>
+              <a:rPr lang="en-US" dirty="0" smtClean="0"/>
+              <a:t>This approach could be used by any institution for a better, flexible and an abuse free system.</a:t>
+            </a:r>
+            <a:endParaRPr lang="en-US" dirty="0"/>
+          </a:p>
+        </p:txBody>
+      </p:sp>
+      <p:pic>
+        <p:nvPicPr>
+          <p:cNvPr id="4" name="image3.png"/>
+          <p:cNvPicPr/>
+          <p:nvPr/>
+        </p:nvPicPr>
+        <p:blipFill>
+          <a:blip r:embed="rId2"/>
+          <a:srcRect/>
+          <a:stretch>
+            <a:fillRect/>
+          </a:stretch>
+        </p:blipFill>
+        <p:spPr>
+          <a:xfrm>
+            <a:off x="9330689" y="624110"/>
+            <a:ext cx="2173923" cy="1164273"/>
+          </a:xfrm>
+          <a:prstGeom prst="rect">
+            <a:avLst/>
+          </a:prstGeom>
+          <a:ln/>
+        </p:spPr>
+      </p:pic>
+      <p:sp>
+        <p:nvSpPr>
+          <p:cNvPr id="5" name="Slide Number Placeholder 4"/>
+          <p:cNvSpPr>
+            <a:spLocks noGrp="1"/>
+          </p:cNvSpPr>
+          <p:nvPr>
+            <p:ph type="sldNum" sz="quarter" idx="12"/>
+          </p:nvPr>
+        </p:nvSpPr>
+        <p:spPr/>
+        <p:txBody>
+          <a:bodyPr/>
+          <a:lstStyle/>
+          <a:p>
+            <a:fld id="{69AC24DB-4626-4986-8B7C-F487BF5680B4}" type="slidenum">
+              <a:rPr lang="en-US" smtClean="0"/>
+              <a:t>19</a:t>
+            </a:fld>
+            <a:endParaRPr lang="en-US"/>
+          </a:p>
+        </p:txBody>
+      </p:sp>
+    </p:spTree>
+    <p:extLst>
+      <p:ext uri="{BB962C8B-B14F-4D97-AF65-F5344CB8AC3E}">
+        <p14:creationId xmlns:p14="http://schemas.microsoft.com/office/powerpoint/2010/main" val="3629648377"/>
       </p:ext>
     </p:extLst>
   </p:cSld>
@@ -9534,7 +10618,7 @@
         <p:spPr/>
         <p:txBody>
           <a:bodyPr>
-            <a:normAutofit fontScale="92500" lnSpcReduction="10000"/>
+            <a:normAutofit fontScale="92500" lnSpcReduction="20000"/>
           </a:bodyPr>
           <a:lstStyle/>
           <a:p>
@@ -9544,35 +10628,40 @@
                   <a:schemeClr val="tx1"/>
                 </a:solidFill>
               </a:rPr>
-              <a:t>Introduction</a:t>
-            </a:r>
-          </a:p>
-          <a:p>
-            <a:r>
-              <a:rPr lang="en-US" dirty="0">
+              <a:t>Problem </a:t>
+            </a:r>
+            <a:r>
+              <a:rPr lang="en-US" dirty="0" smtClean="0">
+                <a:solidFill>
+                  <a:schemeClr val="tx1"/>
+                </a:solidFill>
+              </a:rPr>
+              <a:t>Statement</a:t>
+            </a:r>
+          </a:p>
+          <a:p>
+            <a:r>
+              <a:rPr lang="en-US" dirty="0" smtClean="0">
+                <a:solidFill>
+                  <a:schemeClr val="tx1"/>
+                </a:solidFill>
+              </a:rPr>
+              <a:t>Possible Solutions</a:t>
+            </a:r>
+            <a:endParaRPr lang="en-US" dirty="0">
+              <a:solidFill>
+                <a:schemeClr val="tx1"/>
+              </a:solidFill>
+            </a:endParaRPr>
+          </a:p>
+          <a:p>
+            <a:r>
+              <a:rPr lang="en-US" dirty="0" smtClean="0">
                 <a:solidFill>
                   <a:schemeClr val="tx1"/>
                 </a:solidFill>
               </a:rPr>
               <a:t>Project Briefing</a:t>
-            </a:r>
-          </a:p>
-          <a:p>
-            <a:r>
-              <a:rPr lang="en-US" dirty="0">
-                <a:solidFill>
-                  <a:schemeClr val="tx1"/>
-                </a:solidFill>
-              </a:rPr>
-              <a:t>Overview of the </a:t>
-            </a:r>
-            <a:r>
-              <a:rPr lang="en-US" dirty="0" smtClean="0">
-                <a:solidFill>
-                  <a:schemeClr val="tx1"/>
-                </a:solidFill>
-              </a:rPr>
-              <a:t>system</a:t>
             </a:r>
           </a:p>
           <a:p>
@@ -9592,7 +10681,48 @@
                   <a:schemeClr val="tx1"/>
                 </a:solidFill>
               </a:rPr>
-              <a:t>Project Management </a:t>
+              <a:t>Use </a:t>
+            </a:r>
+            <a:r>
+              <a:rPr lang="en-US" dirty="0" smtClean="0">
+                <a:solidFill>
+                  <a:schemeClr val="tx1"/>
+                </a:solidFill>
+              </a:rPr>
+              <a:t>case</a:t>
+            </a:r>
+          </a:p>
+          <a:p>
+            <a:r>
+              <a:rPr lang="en-US" dirty="0" smtClean="0">
+                <a:solidFill>
+                  <a:schemeClr val="tx1"/>
+                </a:solidFill>
+              </a:rPr>
+              <a:t>Architecture</a:t>
+            </a:r>
+            <a:endParaRPr lang="en-US" dirty="0">
+              <a:solidFill>
+                <a:schemeClr val="tx1"/>
+              </a:solidFill>
+            </a:endParaRPr>
+          </a:p>
+          <a:p>
+            <a:r>
+              <a:rPr lang="en-US" dirty="0" smtClean="0">
+                <a:solidFill>
+                  <a:schemeClr val="tx1"/>
+                </a:solidFill>
+              </a:rPr>
+              <a:t>Project </a:t>
+            </a:r>
+            <a:r>
+              <a:rPr lang="en-US" dirty="0">
+                <a:solidFill>
+                  <a:schemeClr val="tx1"/>
+                </a:solidFill>
+              </a:rPr>
+              <a:t>Management </a:t>
             </a:r>
             <a:r>
               <a:rPr lang="en-US" dirty="0" smtClean="0">
@@ -9625,21 +10755,6 @@
                   <a:schemeClr val="tx1"/>
                 </a:solidFill>
               </a:rPr>
-              <a:t>Prototypes</a:t>
-            </a:r>
-            <a:endParaRPr lang="en-US" dirty="0">
-              <a:solidFill>
-                <a:schemeClr val="tx1"/>
-              </a:solidFill>
-            </a:endParaRPr>
-          </a:p>
-          <a:p>
-            <a:r>
-              <a:rPr lang="en-US" dirty="0" smtClean="0">
-                <a:solidFill>
-                  <a:schemeClr val="tx1"/>
-                </a:solidFill>
-              </a:rPr>
               <a:t>Challenges</a:t>
             </a:r>
             <a:endParaRPr lang="en-US" dirty="0">
@@ -9657,6 +10772,16 @@
               </a:rPr>
               <a:t>Strategy</a:t>
             </a:r>
+          </a:p>
+          <a:p>
+            <a:r>
+              <a:rPr lang="en-US" dirty="0" smtClean="0">
+                <a:solidFill>
+                  <a:schemeClr val="tx1"/>
+                </a:solidFill>
+              </a:rPr>
+              <a:t>Conclusion</a:t>
+            </a:r>
             <a:endParaRPr lang="en-US" dirty="0">
               <a:solidFill>
                 <a:schemeClr val="tx1"/>
@@ -9664,14 +10789,6 @@
             </a:endParaRPr>
           </a:p>
           <a:p>
-            <a:r>
-              <a:rPr lang="en-US" dirty="0" smtClean="0">
-                <a:solidFill>
-                  <a:schemeClr val="tx1"/>
-                </a:solidFill>
-              </a:rPr>
-              <a:t>Estimation</a:t>
-            </a:r>
             <a:endParaRPr lang="en-US" dirty="0">
               <a:solidFill>
                 <a:schemeClr val="tx1"/>
@@ -9704,10 +10821,154 @@
           <a:ln/>
         </p:spPr>
       </p:pic>
+      <p:sp>
+        <p:nvSpPr>
+          <p:cNvPr id="5" name="Slide Number Placeholder 4"/>
+          <p:cNvSpPr>
+            <a:spLocks noGrp="1"/>
+          </p:cNvSpPr>
+          <p:nvPr>
+            <p:ph type="sldNum" sz="quarter" idx="12"/>
+          </p:nvPr>
+        </p:nvSpPr>
+        <p:spPr/>
+        <p:txBody>
+          <a:bodyPr/>
+          <a:lstStyle/>
+          <a:p>
+            <a:fld id="{69AC24DB-4626-4986-8B7C-F487BF5680B4}" type="slidenum">
+              <a:rPr lang="en-US" smtClean="0"/>
+              <a:t>2</a:t>
+            </a:fld>
+            <a:endParaRPr lang="en-US"/>
+          </a:p>
+        </p:txBody>
+      </p:sp>
     </p:spTree>
     <p:extLst>
       <p:ext uri="{BB962C8B-B14F-4D97-AF65-F5344CB8AC3E}">
         <p14:creationId xmlns:p14="http://schemas.microsoft.com/office/powerpoint/2010/main" val="791945268"/>
+      </p:ext>
+    </p:extLst>
+  </p:cSld>
+  <p:clrMapOvr>
+    <a:masterClrMapping/>
+  </p:clrMapOvr>
+  <p:timing>
+    <p:tnLst>
+      <p:par>
+        <p:cTn id="1" dur="indefinite" restart="never" nodeType="tmRoot"/>
+      </p:par>
+    </p:tnLst>
+  </p:timing>
+</p:sld>
+</file>
+
+<file path=ppt/slides/slide20.xml><?xml version="1.0" encoding="utf-8"?>
+<p:sld xmlns:a="http://schemas.openxmlformats.org/drawingml/2006/main" xmlns:r="http://schemas.openxmlformats.org/officeDocument/2006/relationships" xmlns:p="http://schemas.openxmlformats.org/presentationml/2006/main">
+  <p:cSld>
+    <p:spTree>
+      <p:nvGrpSpPr>
+        <p:cNvPr id="1" name=""/>
+        <p:cNvGrpSpPr/>
+        <p:nvPr/>
+      </p:nvGrpSpPr>
+      <p:grpSpPr>
+        <a:xfrm>
+          <a:off x="0" y="0"/>
+          <a:ext cx="0" cy="0"/>
+          <a:chOff x="0" y="0"/>
+          <a:chExt cx="0" cy="0"/>
+        </a:xfrm>
+      </p:grpSpPr>
+      <p:sp>
+        <p:nvSpPr>
+          <p:cNvPr id="2" name="Title 1"/>
+          <p:cNvSpPr>
+            <a:spLocks noGrp="1"/>
+          </p:cNvSpPr>
+          <p:nvPr>
+            <p:ph type="title"/>
+          </p:nvPr>
+        </p:nvSpPr>
+        <p:spPr>
+          <a:xfrm>
+            <a:off x="2142165" y="2839276"/>
+            <a:ext cx="8911687" cy="1280890"/>
+          </a:xfrm>
+        </p:spPr>
+        <p:txBody>
+          <a:bodyPr>
+            <a:normAutofit/>
+          </a:bodyPr>
+          <a:lstStyle/>
+          <a:p>
+            <a:pPr algn="ctr"/>
+            <a:r>
+              <a:rPr lang="en-US" sz="6600" b="1" dirty="0" smtClean="0">
+                <a:latin typeface="Times New Roman" panose="02020603050405020304" pitchFamily="18" charset="0"/>
+                <a:cs typeface="Times New Roman" panose="02020603050405020304" pitchFamily="18" charset="0"/>
+              </a:rPr>
+              <a:t>Thank you </a:t>
+            </a:r>
+            <a:endParaRPr lang="en-US" sz="6600" b="1" dirty="0">
+              <a:latin typeface="Times New Roman" panose="02020603050405020304" pitchFamily="18" charset="0"/>
+              <a:cs typeface="Times New Roman" panose="02020603050405020304" pitchFamily="18" charset="0"/>
+            </a:endParaRPr>
+          </a:p>
+        </p:txBody>
+      </p:sp>
+      <p:pic>
+        <p:nvPicPr>
+          <p:cNvPr id="4" name="image3.png"/>
+          <p:cNvPicPr/>
+          <p:nvPr/>
+        </p:nvPicPr>
+        <p:blipFill>
+          <a:blip r:embed="rId2"/>
+          <a:srcRect/>
+          <a:stretch>
+            <a:fillRect/>
+          </a:stretch>
+        </p:blipFill>
+        <p:spPr>
+          <a:xfrm>
+            <a:off x="9330689" y="624110"/>
+            <a:ext cx="2173923" cy="1164273"/>
+          </a:xfrm>
+          <a:prstGeom prst="rect">
+            <a:avLst/>
+          </a:prstGeom>
+          <a:ln/>
+        </p:spPr>
+      </p:pic>
+      <p:sp>
+        <p:nvSpPr>
+          <p:cNvPr id="3" name="Slide Number Placeholder 2"/>
+          <p:cNvSpPr>
+            <a:spLocks noGrp="1"/>
+          </p:cNvSpPr>
+          <p:nvPr>
+            <p:ph type="sldNum" sz="quarter" idx="12"/>
+          </p:nvPr>
+        </p:nvSpPr>
+        <p:spPr/>
+        <p:txBody>
+          <a:bodyPr/>
+          <a:lstStyle/>
+          <a:p>
+            <a:fld id="{69AC24DB-4626-4986-8B7C-F487BF5680B4}" type="slidenum">
+              <a:rPr lang="en-US" smtClean="0"/>
+              <a:t>20</a:t>
+            </a:fld>
+            <a:endParaRPr lang="en-US"/>
+          </a:p>
+        </p:txBody>
+      </p:sp>
+    </p:spTree>
+    <p:extLst>
+      <p:ext uri="{BB962C8B-B14F-4D97-AF65-F5344CB8AC3E}">
+        <p14:creationId xmlns:p14="http://schemas.microsoft.com/office/powerpoint/2010/main" val="1064550519"/>
       </p:ext>
     </p:extLst>
   </p:cSld>
@@ -9757,6 +11018,119 @@
           <a:lstStyle/>
           <a:p>
             <a:r>
+              <a:rPr lang="en-US" dirty="0" smtClean="0"/>
+              <a:t>Problem Statement</a:t>
+            </a:r>
+            <a:endParaRPr lang="en-US" dirty="0"/>
+          </a:p>
+        </p:txBody>
+      </p:sp>
+      <p:sp>
+        <p:nvSpPr>
+          <p:cNvPr id="3" name="Content Placeholder 2"/>
+          <p:cNvSpPr>
+            <a:spLocks noGrp="1"/>
+          </p:cNvSpPr>
+          <p:nvPr>
+            <p:ph idx="1"/>
+          </p:nvPr>
+        </p:nvSpPr>
+        <p:spPr/>
+        <p:txBody>
+          <a:bodyPr/>
+          <a:lstStyle/>
+          <a:p>
+            <a:r>
+              <a:rPr lang="en-US" dirty="0"/>
+              <a:t>We want to develop a system which makes the life of an instructor easy in terms of tracking the attendance of a student with minimum effort.</a:t>
+            </a:r>
+          </a:p>
+          <a:p>
+            <a:r>
+              <a:rPr lang="en-US" dirty="0"/>
+              <a:t>Today, we are using different traditional ways which  have certain limitations, ignoring them would make people easier to abuse them.</a:t>
+            </a:r>
+          </a:p>
+          <a:p>
+            <a:r>
+              <a:rPr lang="en-US" dirty="0"/>
+              <a:t>We will be using the QR codes for tracking the attendance of the students.</a:t>
+            </a:r>
+          </a:p>
+          <a:p>
+            <a:endParaRPr lang="en-US" dirty="0"/>
+          </a:p>
+        </p:txBody>
+      </p:sp>
+      <p:sp>
+        <p:nvSpPr>
+          <p:cNvPr id="4" name="Slide Number Placeholder 3"/>
+          <p:cNvSpPr>
+            <a:spLocks noGrp="1"/>
+          </p:cNvSpPr>
+          <p:nvPr>
+            <p:ph type="sldNum" sz="quarter" idx="12"/>
+          </p:nvPr>
+        </p:nvSpPr>
+        <p:spPr/>
+        <p:txBody>
+          <a:bodyPr/>
+          <a:lstStyle/>
+          <a:p>
+            <a:fld id="{69AC24DB-4626-4986-8B7C-F487BF5680B4}" type="slidenum">
+              <a:rPr lang="en-US" smtClean="0"/>
+              <a:t>3</a:t>
+            </a:fld>
+            <a:endParaRPr lang="en-US"/>
+          </a:p>
+        </p:txBody>
+      </p:sp>
+    </p:spTree>
+    <p:extLst>
+      <p:ext uri="{BB962C8B-B14F-4D97-AF65-F5344CB8AC3E}">
+        <p14:creationId xmlns:p14="http://schemas.microsoft.com/office/powerpoint/2010/main" val="2556635102"/>
+      </p:ext>
+    </p:extLst>
+  </p:cSld>
+  <p:clrMapOvr>
+    <a:masterClrMapping/>
+  </p:clrMapOvr>
+</p:sld>
+</file>
+
+<file path=ppt/slides/slide4.xml><?xml version="1.0" encoding="utf-8"?>
+<p:sld xmlns:a="http://schemas.openxmlformats.org/drawingml/2006/main" xmlns:r="http://schemas.openxmlformats.org/officeDocument/2006/relationships" xmlns:p="http://schemas.openxmlformats.org/presentationml/2006/main">
+  <p:cSld>
+    <p:spTree>
+      <p:nvGrpSpPr>
+        <p:cNvPr id="1" name=""/>
+        <p:cNvGrpSpPr/>
+        <p:nvPr/>
+      </p:nvGrpSpPr>
+      <p:grpSpPr>
+        <a:xfrm>
+          <a:off x="0" y="0"/>
+          <a:ext cx="0" cy="0"/>
+          <a:chOff x="0" y="0"/>
+          <a:chExt cx="0" cy="0"/>
+        </a:xfrm>
+      </p:grpSpPr>
+      <p:sp>
+        <p:nvSpPr>
+          <p:cNvPr id="2" name="Title 1"/>
+          <p:cNvSpPr>
+            <a:spLocks noGrp="1"/>
+          </p:cNvSpPr>
+          <p:nvPr>
+            <p:ph type="title"/>
+          </p:nvPr>
+        </p:nvSpPr>
+        <p:spPr/>
+        <p:txBody>
+          <a:bodyPr/>
+          <a:lstStyle/>
+          <a:p>
+            <a:r>
               <a:rPr lang="en-US" dirty="0"/>
               <a:t>Introduction</a:t>
             </a:r>
@@ -9793,6 +11167,12 @@
             <a:r>
               <a:rPr lang="en-US" dirty="0" smtClean="0"/>
               <a:t>Instructor develops a unique QR for every class and students scan those QR to mark their attendance for that class.</a:t>
+            </a:r>
+          </a:p>
+          <a:p>
+            <a:r>
+              <a:rPr lang="en-US" dirty="0" smtClean="0"/>
+              <a:t>Student can view, mark and also track his attendance.</a:t>
             </a:r>
             <a:endParaRPr lang="en-US" dirty="0"/>
           </a:p>
@@ -9822,166 +11202,33 @@
           <a:ln/>
         </p:spPr>
       </p:pic>
+      <p:sp>
+        <p:nvSpPr>
+          <p:cNvPr id="4" name="Slide Number Placeholder 3"/>
+          <p:cNvSpPr>
+            <a:spLocks noGrp="1"/>
+          </p:cNvSpPr>
+          <p:nvPr>
+            <p:ph type="sldNum" sz="quarter" idx="12"/>
+          </p:nvPr>
+        </p:nvSpPr>
+        <p:spPr/>
+        <p:txBody>
+          <a:bodyPr/>
+          <a:lstStyle/>
+          <a:p>
+            <a:fld id="{69AC24DB-4626-4986-8B7C-F487BF5680B4}" type="slidenum">
+              <a:rPr lang="en-US" smtClean="0"/>
+              <a:t>4</a:t>
+            </a:fld>
+            <a:endParaRPr lang="en-US"/>
+          </a:p>
+        </p:txBody>
+      </p:sp>
     </p:spTree>
     <p:extLst>
       <p:ext uri="{BB962C8B-B14F-4D97-AF65-F5344CB8AC3E}">
         <p14:creationId xmlns:p14="http://schemas.microsoft.com/office/powerpoint/2010/main" val="1695869321"/>
-      </p:ext>
-    </p:extLst>
-  </p:cSld>
-  <p:clrMapOvr>
-    <a:masterClrMapping/>
-  </p:clrMapOvr>
-  <p:timing>
-    <p:tnLst>
-      <p:par>
-        <p:cTn id="1" dur="indefinite" restart="never" nodeType="tmRoot"/>
-      </p:par>
-    </p:tnLst>
-  </p:timing>
-</p:sld>
-</file>
-
-<file path=ppt/slides/slide4.xml><?xml version="1.0" encoding="utf-8"?>
-<p:sld xmlns:a="http://schemas.openxmlformats.org/drawingml/2006/main" xmlns:r="http://schemas.openxmlformats.org/officeDocument/2006/relationships" xmlns:p="http://schemas.openxmlformats.org/presentationml/2006/main">
-  <p:cSld>
-    <p:spTree>
-      <p:nvGrpSpPr>
-        <p:cNvPr id="1" name=""/>
-        <p:cNvGrpSpPr/>
-        <p:nvPr/>
-      </p:nvGrpSpPr>
-      <p:grpSpPr>
-        <a:xfrm>
-          <a:off x="0" y="0"/>
-          <a:ext cx="0" cy="0"/>
-          <a:chOff x="0" y="0"/>
-          <a:chExt cx="0" cy="0"/>
-        </a:xfrm>
-      </p:grpSpPr>
-      <p:sp>
-        <p:nvSpPr>
-          <p:cNvPr id="2" name="Title 1"/>
-          <p:cNvSpPr>
-            <a:spLocks noGrp="1"/>
-          </p:cNvSpPr>
-          <p:nvPr>
-            <p:ph type="title"/>
-          </p:nvPr>
-        </p:nvSpPr>
-        <p:spPr/>
-        <p:txBody>
-          <a:bodyPr/>
-          <a:lstStyle/>
-          <a:p>
-            <a:r>
-              <a:rPr lang="en-US" dirty="0" smtClean="0"/>
-              <a:t>Project Briefing</a:t>
-            </a:r>
-            <a:endParaRPr lang="en-US" dirty="0"/>
-          </a:p>
-        </p:txBody>
-      </p:sp>
-      <p:sp>
-        <p:nvSpPr>
-          <p:cNvPr id="3" name="Content Placeholder 2"/>
-          <p:cNvSpPr>
-            <a:spLocks noGrp="1"/>
-          </p:cNvSpPr>
-          <p:nvPr>
-            <p:ph idx="1"/>
-          </p:nvPr>
-        </p:nvSpPr>
-        <p:spPr/>
-        <p:txBody>
-          <a:bodyPr/>
-          <a:lstStyle/>
-          <a:p>
-            <a:r>
-              <a:rPr lang="en-US" dirty="0" smtClean="0"/>
-              <a:t>Three Users of the system</a:t>
-            </a:r>
-          </a:p>
-          <a:p>
-            <a:pPr lvl="1"/>
-            <a:r>
-              <a:rPr lang="en-US" dirty="0" smtClean="0"/>
-              <a:t>Instructor</a:t>
-            </a:r>
-            <a:endParaRPr lang="en-US" dirty="0"/>
-          </a:p>
-          <a:p>
-            <a:pPr lvl="1"/>
-            <a:r>
-              <a:rPr lang="en-US" dirty="0" smtClean="0"/>
-              <a:t>Student</a:t>
-            </a:r>
-            <a:endParaRPr lang="en-US" dirty="0"/>
-          </a:p>
-          <a:p>
-            <a:pPr lvl="1"/>
-            <a:r>
-              <a:rPr lang="en-US" dirty="0" smtClean="0"/>
-              <a:t>Admin</a:t>
-            </a:r>
-          </a:p>
-          <a:p>
-            <a:endParaRPr lang="en-US" dirty="0"/>
-          </a:p>
-          <a:p>
-            <a:r>
-              <a:rPr lang="en-US" dirty="0" smtClean="0"/>
-              <a:t>Additional Features</a:t>
-            </a:r>
-          </a:p>
-          <a:p>
-            <a:pPr lvl="1"/>
-            <a:r>
-              <a:rPr lang="en-US" dirty="0" smtClean="0"/>
-              <a:t>Students can view attendance for all courses registered</a:t>
-            </a:r>
-          </a:p>
-          <a:p>
-            <a:pPr lvl="1"/>
-            <a:r>
-              <a:rPr lang="en-US" dirty="0" smtClean="0"/>
-              <a:t>Feedback for the student and professor</a:t>
-            </a:r>
-          </a:p>
-          <a:p>
-            <a:pPr lvl="1"/>
-            <a:endParaRPr lang="en-US" dirty="0" smtClean="0"/>
-          </a:p>
-        </p:txBody>
-      </p:sp>
-      <p:pic>
-        <p:nvPicPr>
-          <p:cNvPr id="4" name="image3.png"/>
-          <p:cNvPicPr/>
-          <p:nvPr/>
-        </p:nvPicPr>
-        <p:blipFill>
-          <a:blip r:embed="rId2"/>
-          <a:srcRect/>
-          <a:stretch>
-            <a:fillRect/>
-          </a:stretch>
-        </p:blipFill>
-        <p:spPr>
-          <a:xfrm>
-            <a:off x="9330689" y="624110"/>
-            <a:ext cx="2173923" cy="1164273"/>
-          </a:xfrm>
-          <a:prstGeom prst="rect">
-            <a:avLst/>
-          </a:prstGeom>
-          <a:ln/>
-        </p:spPr>
-      </p:pic>
-    </p:spTree>
-    <p:extLst>
-      <p:ext uri="{BB962C8B-B14F-4D97-AF65-F5344CB8AC3E}">
-        <p14:creationId xmlns:p14="http://schemas.microsoft.com/office/powerpoint/2010/main" val="2509543904"/>
       </p:ext>
     </p:extLst>
   </p:cSld>
@@ -10032,117 +11279,123 @@
           <a:p>
             <a:r>
               <a:rPr lang="en-US" dirty="0" smtClean="0"/>
-              <a:t>Overview of the System</a:t>
+              <a:t>Possible Solutions</a:t>
             </a:r>
             <a:endParaRPr lang="en-US" dirty="0"/>
           </a:p>
         </p:txBody>
       </p:sp>
-      <p:pic>
-        <p:nvPicPr>
-          <p:cNvPr id="4" name="Content Placeholder 3"/>
-          <p:cNvPicPr>
-            <a:picLocks noGrp="1" noChangeAspect="1"/>
-          </p:cNvPicPr>
+      <p:sp>
+        <p:nvSpPr>
+          <p:cNvPr id="3" name="Content Placeholder 2"/>
+          <p:cNvSpPr>
+            <a:spLocks noGrp="1"/>
+          </p:cNvSpPr>
           <p:nvPr>
             <p:ph idx="1"/>
           </p:nvPr>
-        </p:nvPicPr>
-        <p:blipFill>
-          <a:blip r:embed="rId2"/>
-          <a:stretch>
-            <a:fillRect/>
-          </a:stretch>
-        </p:blipFill>
-        <p:spPr>
-          <a:xfrm>
-            <a:off x="4189413" y="2532062"/>
-            <a:ext cx="5715000" cy="2981325"/>
-          </a:xfrm>
-          <a:prstGeom prst="rect">
-            <a:avLst/>
-          </a:prstGeom>
-        </p:spPr>
-      </p:pic>
-      <p:sp>
-        <p:nvSpPr>
-          <p:cNvPr id="5" name="TextBox 4"/>
-          <p:cNvSpPr txBox="1"/>
-          <p:nvPr/>
-        </p:nvSpPr>
-        <p:spPr>
-          <a:xfrm rot="10800000" flipV="1">
-            <a:off x="2033408" y="5533893"/>
-            <a:ext cx="6056492" cy="646331"/>
-          </a:xfrm>
-          <a:prstGeom prst="rect">
-            <a:avLst/>
-          </a:prstGeom>
-          <a:noFill/>
-        </p:spPr>
-        <p:txBody>
-          <a:bodyPr wrap="square" rtlCol="0">
-            <a:spAutoFit/>
+        </p:nvSpPr>
+        <p:spPr/>
+        <p:txBody>
+          <a:bodyPr>
+            <a:normAutofit/>
           </a:bodyPr>
           <a:lstStyle/>
           <a:p>
+            <a:pPr marL="400050" indent="-285750">
+              <a:spcBef>
+                <a:spcPts val="0"/>
+              </a:spcBef>
+            </a:pPr>
             <a:r>
               <a:rPr lang="en-US" dirty="0" smtClean="0">
-                <a:solidFill>
-                  <a:srgbClr val="FF0000"/>
-                </a:solidFill>
+                <a:latin typeface="+mj-lt"/>
+                <a:cs typeface="Times New Roman" panose="02020603050405020304" pitchFamily="18" charset="0"/>
               </a:rPr>
-              <a:t>Need some clarity on this and yet to include the software architecture</a:t>
+              <a:t>Generation of multiple QR codes and capturing it for security. </a:t>
+            </a:r>
+          </a:p>
+          <a:p>
+            <a:pPr marL="400050" indent="-285750">
+              <a:spcBef>
+                <a:spcPts val="0"/>
+              </a:spcBef>
+            </a:pPr>
+            <a:r>
+              <a:rPr lang="en-US" dirty="0" smtClean="0">
+                <a:latin typeface="+mj-lt"/>
+                <a:cs typeface="Times New Roman" panose="02020603050405020304" pitchFamily="18" charset="0"/>
+              </a:rPr>
+              <a:t>QR code with IP address.</a:t>
+            </a:r>
+          </a:p>
+          <a:p>
+            <a:pPr marL="400050" indent="-285750">
+              <a:spcBef>
+                <a:spcPts val="0"/>
+              </a:spcBef>
+            </a:pPr>
+            <a:r>
+              <a:rPr lang="en-US" dirty="0" smtClean="0">
+                <a:latin typeface="+mj-lt"/>
+                <a:cs typeface="Times New Roman" panose="02020603050405020304" pitchFamily="18" charset="0"/>
+              </a:rPr>
+              <a:t>Grading the Attendance using the Two way authentication.</a:t>
+            </a:r>
+          </a:p>
+          <a:p>
+            <a:pPr marL="400050" indent="-285750">
+              <a:spcBef>
+                <a:spcPts val="0"/>
+              </a:spcBef>
+            </a:pPr>
+            <a:r>
+              <a:rPr lang="en-US" dirty="0" smtClean="0">
+                <a:latin typeface="+mj-lt"/>
+                <a:cs typeface="Times New Roman" panose="02020603050405020304" pitchFamily="18" charset="0"/>
+              </a:rPr>
+              <a:t>Generation of QR code along with tracking the students location with GPS.</a:t>
             </a:r>
             <a:endParaRPr lang="en-US" dirty="0">
-              <a:solidFill>
-                <a:srgbClr val="FF0000"/>
-              </a:solidFill>
+              <a:latin typeface="+mj-lt"/>
+              <a:cs typeface="Times New Roman" panose="02020603050405020304" pitchFamily="18" charset="0"/>
             </a:endParaRPr>
           </a:p>
         </p:txBody>
       </p:sp>
-      <p:pic>
-        <p:nvPicPr>
-          <p:cNvPr id="6" name="image3.png"/>
-          <p:cNvPicPr/>
-          <p:nvPr/>
-        </p:nvPicPr>
-        <p:blipFill>
-          <a:blip r:embed="rId3"/>
-          <a:srcRect/>
-          <a:stretch>
-            <a:fillRect/>
-          </a:stretch>
-        </p:blipFill>
-        <p:spPr>
-          <a:xfrm>
-            <a:off x="9330689" y="624110"/>
-            <a:ext cx="2173923" cy="1164273"/>
-          </a:xfrm>
-          <a:prstGeom prst="rect">
-            <a:avLst/>
-          </a:prstGeom>
-          <a:ln/>
-        </p:spPr>
-      </p:pic>
+      <p:sp>
+        <p:nvSpPr>
+          <p:cNvPr id="4" name="Slide Number Placeholder 3"/>
+          <p:cNvSpPr>
+            <a:spLocks noGrp="1"/>
+          </p:cNvSpPr>
+          <p:nvPr>
+            <p:ph type="sldNum" sz="quarter" idx="12"/>
+          </p:nvPr>
+        </p:nvSpPr>
+        <p:spPr/>
+        <p:txBody>
+          <a:bodyPr/>
+          <a:lstStyle/>
+          <a:p>
+            <a:fld id="{69AC24DB-4626-4986-8B7C-F487BF5680B4}" type="slidenum">
+              <a:rPr lang="en-US" smtClean="0"/>
+              <a:t>5</a:t>
+            </a:fld>
+            <a:endParaRPr lang="en-US"/>
+          </a:p>
+        </p:txBody>
+      </p:sp>
     </p:spTree>
     <p:extLst>
       <p:ext uri="{BB962C8B-B14F-4D97-AF65-F5344CB8AC3E}">
-        <p14:creationId xmlns:p14="http://schemas.microsoft.com/office/powerpoint/2010/main" val="2691368150"/>
+        <p14:creationId xmlns:p14="http://schemas.microsoft.com/office/powerpoint/2010/main" val="992428973"/>
       </p:ext>
     </p:extLst>
   </p:cSld>
   <p:clrMapOvr>
     <a:masterClrMapping/>
   </p:clrMapOvr>
-  <p:timing>
-    <p:tnLst>
-      <p:par>
-        <p:cTn id="1" dur="indefinite" restart="never" nodeType="tmRoot"/>
-      </p:par>
-    </p:tnLst>
-  </p:timing>
 </p:sld>
 </file>
 
@@ -10180,7 +11433,7 @@
           <a:p>
             <a:r>
               <a:rPr lang="en-US" dirty="0" smtClean="0"/>
-              <a:t>Requirements</a:t>
+              <a:t>Project Briefing</a:t>
             </a:r>
             <a:endParaRPr lang="en-US" dirty="0"/>
           </a:p>
@@ -10203,42 +11456,58 @@
           <a:p>
             <a:r>
               <a:rPr lang="en-US" dirty="0" smtClean="0"/>
-              <a:t>Student Requirements:</a:t>
+              <a:t>Three Users of the system</a:t>
             </a:r>
           </a:p>
           <a:p>
             <a:pPr lvl="1"/>
             <a:r>
               <a:rPr lang="en-US" dirty="0" smtClean="0"/>
-              <a:t>Student must be able to Scan the QR code.</a:t>
-            </a:r>
+              <a:t>Instructor</a:t>
+            </a:r>
+            <a:endParaRPr lang="en-US" dirty="0"/>
           </a:p>
           <a:p>
             <a:pPr lvl="1"/>
             <a:r>
               <a:rPr lang="en-US" dirty="0" smtClean="0"/>
-              <a:t>Must be able to capture the QR code.</a:t>
-            </a:r>
+              <a:t>Student</a:t>
+            </a:r>
+            <a:endParaRPr lang="en-US" dirty="0"/>
           </a:p>
           <a:p>
             <a:pPr lvl="1"/>
             <a:r>
               <a:rPr lang="en-US" dirty="0" smtClean="0"/>
-              <a:t>Student should be able to view the courses he is registered and also be able to check his attendance percentage for the respective courses.</a:t>
+              <a:t>Admin</a:t>
+            </a:r>
+          </a:p>
+          <a:p>
+            <a:endParaRPr lang="en-US" dirty="0"/>
+          </a:p>
+          <a:p>
+            <a:r>
+              <a:rPr lang="en-US" dirty="0" smtClean="0"/>
+              <a:t>Additional Features</a:t>
             </a:r>
           </a:p>
           <a:p>
             <a:pPr lvl="1"/>
             <a:r>
               <a:rPr lang="en-US" dirty="0" smtClean="0"/>
-              <a:t>System should provide an acknowledge stating if the QR was scanned and attendance has been marked successfully.</a:t>
-            </a:r>
-          </a:p>
-          <a:p>
-            <a:pPr marL="457200" lvl="1" indent="0">
-              <a:buNone/>
-            </a:pPr>
-            <a:endParaRPr lang="en-US" dirty="0"/>
+              <a:t>Students can view attendance for all courses registered</a:t>
+            </a:r>
+          </a:p>
+          <a:p>
+            <a:pPr lvl="1"/>
+            <a:r>
+              <a:rPr lang="en-US" dirty="0" smtClean="0"/>
+              <a:t>Feedback for the student and professor</a:t>
+            </a:r>
+          </a:p>
+          <a:p>
+            <a:pPr lvl="1"/>
+            <a:endParaRPr lang="en-US" dirty="0" smtClean="0"/>
           </a:p>
         </p:txBody>
       </p:sp>
@@ -10266,10 +11535,33 @@
           <a:ln/>
         </p:spPr>
       </p:pic>
+      <p:sp>
+        <p:nvSpPr>
+          <p:cNvPr id="5" name="Slide Number Placeholder 4"/>
+          <p:cNvSpPr>
+            <a:spLocks noGrp="1"/>
+          </p:cNvSpPr>
+          <p:nvPr>
+            <p:ph type="sldNum" sz="quarter" idx="12"/>
+          </p:nvPr>
+        </p:nvSpPr>
+        <p:spPr/>
+        <p:txBody>
+          <a:bodyPr/>
+          <a:lstStyle/>
+          <a:p>
+            <a:fld id="{69AC24DB-4626-4986-8B7C-F487BF5680B4}" type="slidenum">
+              <a:rPr lang="en-US" smtClean="0"/>
+              <a:t>6</a:t>
+            </a:fld>
+            <a:endParaRPr lang="en-US"/>
+          </a:p>
+        </p:txBody>
+      </p:sp>
     </p:spTree>
     <p:extLst>
       <p:ext uri="{BB962C8B-B14F-4D97-AF65-F5344CB8AC3E}">
-        <p14:creationId xmlns:p14="http://schemas.microsoft.com/office/powerpoint/2010/main" val="2691183315"/>
+        <p14:creationId xmlns:p14="http://schemas.microsoft.com/office/powerpoint/2010/main" val="2509543904"/>
       </p:ext>
     </p:extLst>
   </p:cSld>
@@ -10320,88 +11612,64 @@
           <a:p>
             <a:r>
               <a:rPr lang="en-US" dirty="0" smtClean="0"/>
-              <a:t>Requirements 			  (</a:t>
-            </a:r>
-            <a:r>
-              <a:rPr lang="en-US" dirty="0" err="1" smtClean="0"/>
-              <a:t>Contd</a:t>
-            </a:r>
+              <a:t>Requirements</a:t>
+            </a:r>
+            <a:endParaRPr lang="en-US" dirty="0"/>
+          </a:p>
+        </p:txBody>
+      </p:sp>
+      <p:sp>
+        <p:nvSpPr>
+          <p:cNvPr id="3" name="Content Placeholder 2"/>
+          <p:cNvSpPr>
+            <a:spLocks noGrp="1"/>
+          </p:cNvSpPr>
+          <p:nvPr>
+            <p:ph idx="1"/>
+          </p:nvPr>
+        </p:nvSpPr>
+        <p:spPr/>
+        <p:txBody>
+          <a:bodyPr/>
+          <a:lstStyle/>
+          <a:p>
             <a:r>
               <a:rPr lang="en-US" dirty="0" smtClean="0"/>
-              <a:t>…)</a:t>
-            </a:r>
-            <a:endParaRPr lang="en-US" dirty="0"/>
-          </a:p>
-        </p:txBody>
-      </p:sp>
-      <p:sp>
-        <p:nvSpPr>
-          <p:cNvPr id="3" name="Content Placeholder 2"/>
-          <p:cNvSpPr>
-            <a:spLocks noGrp="1"/>
-          </p:cNvSpPr>
-          <p:nvPr>
-            <p:ph idx="1"/>
-          </p:nvPr>
-        </p:nvSpPr>
-        <p:spPr/>
-        <p:txBody>
-          <a:bodyPr/>
-          <a:lstStyle/>
-          <a:p>
+              <a:t>Student Requirements:</a:t>
+            </a:r>
+          </a:p>
+          <a:p>
+            <a:pPr lvl="1"/>
             <a:r>
               <a:rPr lang="en-US" dirty="0" smtClean="0"/>
-              <a:t>Instructor Requirements:</a:t>
+              <a:t>Student must be able to Scan the QR code.</a:t>
             </a:r>
           </a:p>
           <a:p>
             <a:pPr lvl="1"/>
             <a:r>
               <a:rPr lang="en-US" dirty="0" smtClean="0"/>
-              <a:t>System should allow the instructor to generate the QR code.</a:t>
+              <a:t>Must be able to capture the QR code.</a:t>
             </a:r>
           </a:p>
           <a:p>
             <a:pPr lvl="1"/>
             <a:r>
               <a:rPr lang="en-US" dirty="0" smtClean="0"/>
-              <a:t>Generate QR code uniquely every time the instructor asks for a QR code.</a:t>
+              <a:t>Student should be able to view the courses he is registered and also be able to check his attendance percentage for the respective courses.</a:t>
             </a:r>
           </a:p>
           <a:p>
             <a:pPr lvl="1"/>
             <a:r>
               <a:rPr lang="en-US" dirty="0" smtClean="0"/>
-              <a:t>System should generate the QR based on the constraints such as </a:t>
-            </a:r>
-          </a:p>
-          <a:p>
-            <a:pPr lvl="2"/>
-            <a:r>
-              <a:rPr lang="en-US" dirty="0" smtClean="0"/>
-              <a:t>Course CRN</a:t>
-            </a:r>
-          </a:p>
-          <a:p>
-            <a:pPr lvl="2"/>
-            <a:r>
-              <a:rPr lang="en-US" dirty="0" smtClean="0"/>
-              <a:t>Time at which the course meet</a:t>
-            </a:r>
-          </a:p>
-          <a:p>
-            <a:pPr lvl="1"/>
-            <a:r>
-              <a:rPr lang="en-US" dirty="0" smtClean="0"/>
-              <a:t>System should allow the instructor to display any number of QR codes.</a:t>
-            </a:r>
-          </a:p>
-          <a:p>
-            <a:pPr lvl="1"/>
-            <a:r>
-              <a:rPr lang="en-US" dirty="0" smtClean="0"/>
-              <a:t> Display the Student details.</a:t>
-            </a:r>
+              <a:t>System should provide an acknowledge stating if the QR was scanned and attendance has been marked successfully.</a:t>
+            </a:r>
+          </a:p>
+          <a:p>
+            <a:pPr marL="457200" lvl="1" indent="0">
+              <a:buNone/>
+            </a:pPr>
             <a:endParaRPr lang="en-US" dirty="0"/>
           </a:p>
         </p:txBody>
@@ -10430,10 +11698,33 @@
           <a:ln/>
         </p:spPr>
       </p:pic>
+      <p:sp>
+        <p:nvSpPr>
+          <p:cNvPr id="5" name="Slide Number Placeholder 4"/>
+          <p:cNvSpPr>
+            <a:spLocks noGrp="1"/>
+          </p:cNvSpPr>
+          <p:nvPr>
+            <p:ph type="sldNum" sz="quarter" idx="12"/>
+          </p:nvPr>
+        </p:nvSpPr>
+        <p:spPr/>
+        <p:txBody>
+          <a:bodyPr/>
+          <a:lstStyle/>
+          <a:p>
+            <a:fld id="{69AC24DB-4626-4986-8B7C-F487BF5680B4}" type="slidenum">
+              <a:rPr lang="en-US" smtClean="0"/>
+              <a:t>7</a:t>
+            </a:fld>
+            <a:endParaRPr lang="en-US"/>
+          </a:p>
+        </p:txBody>
+      </p:sp>
     </p:spTree>
     <p:extLst>
       <p:ext uri="{BB962C8B-B14F-4D97-AF65-F5344CB8AC3E}">
-        <p14:creationId xmlns:p14="http://schemas.microsoft.com/office/powerpoint/2010/main" val="860619418"/>
+        <p14:creationId xmlns:p14="http://schemas.microsoft.com/office/powerpoint/2010/main" val="2691183315"/>
       </p:ext>
     </p:extLst>
   </p:cSld>
@@ -10483,21 +11774,18 @@
           <a:lstStyle/>
           <a:p>
             <a:r>
-              <a:rPr lang="en-US" dirty="0"/>
-              <a:t>Requirements 			</a:t>
-            </a:r>
-            <a:r>
               <a:rPr lang="en-US" dirty="0" smtClean="0"/>
-              <a:t>  (</a:t>
-            </a:r>
-            <a:r>
-              <a:rPr lang="en-US" dirty="0" err="1"/>
+              <a:t>Requirements 			  (</a:t>
+            </a:r>
+            <a:r>
+              <a:rPr lang="en-US" dirty="0" err="1" smtClean="0"/>
               <a:t>Contd</a:t>
             </a:r>
             <a:r>
-              <a:rPr lang="en-US" dirty="0"/>
+              <a:rPr lang="en-US" dirty="0" smtClean="0"/>
               <a:t>…)</a:t>
             </a:r>
+            <a:endParaRPr lang="en-US" dirty="0"/>
           </a:p>
         </p:txBody>
       </p:sp>
@@ -10513,32 +11801,62 @@
         </p:nvSpPr>
         <p:spPr/>
         <p:txBody>
-          <a:bodyPr>
-            <a:normAutofit/>
-          </a:bodyPr>
+          <a:bodyPr/>
           <a:lstStyle/>
           <a:p>
             <a:r>
               <a:rPr lang="en-US" dirty="0" smtClean="0"/>
-              <a:t>Admin Requirements </a:t>
+              <a:t>Instructor Requirements:</a:t>
             </a:r>
           </a:p>
           <a:p>
             <a:pPr lvl="1"/>
             <a:r>
               <a:rPr lang="en-US" dirty="0" smtClean="0"/>
-              <a:t>Requirements of the admins are likely to be overlapping with the instructor</a:t>
+              <a:t>System should allow the instructor to generate the QR code.</a:t>
             </a:r>
           </a:p>
           <a:p>
             <a:pPr lvl="1"/>
             <a:r>
               <a:rPr lang="en-US" dirty="0" smtClean="0"/>
-              <a:t>Admin has all the features similar to that of an instructor yet has an extra feature to view the details of the instructors and the students of that particular department.</a:t>
+              <a:t>Generate QR code uniquely every time the instructor asks for a QR code.</a:t>
             </a:r>
           </a:p>
           <a:p>
             <a:pPr lvl="1"/>
+            <a:r>
+              <a:rPr lang="en-US" dirty="0" smtClean="0"/>
+              <a:t>System should generate the QR based on the constraints such as </a:t>
+            </a:r>
+          </a:p>
+          <a:p>
+            <a:pPr lvl="2"/>
+            <a:r>
+              <a:rPr lang="en-US" dirty="0" smtClean="0"/>
+              <a:t>Course CRN</a:t>
+            </a:r>
+          </a:p>
+          <a:p>
+            <a:pPr lvl="2"/>
+            <a:r>
+              <a:rPr lang="en-US" dirty="0" smtClean="0"/>
+              <a:t>Time at which the course meet</a:t>
+            </a:r>
+          </a:p>
+          <a:p>
+            <a:pPr lvl="1"/>
+            <a:r>
+              <a:rPr lang="en-US" dirty="0" smtClean="0"/>
+              <a:t>System should allow the instructor to display any number of QR codes.</a:t>
+            </a:r>
+          </a:p>
+          <a:p>
+            <a:pPr lvl="1"/>
+            <a:r>
+              <a:rPr lang="en-US" dirty="0" smtClean="0"/>
+              <a:t> Display the Student details.</a:t>
+            </a:r>
             <a:endParaRPr lang="en-US" dirty="0"/>
           </a:p>
         </p:txBody>
@@ -10567,10 +11885,33 @@
           <a:ln/>
         </p:spPr>
       </p:pic>
+      <p:sp>
+        <p:nvSpPr>
+          <p:cNvPr id="5" name="Slide Number Placeholder 4"/>
+          <p:cNvSpPr>
+            <a:spLocks noGrp="1"/>
+          </p:cNvSpPr>
+          <p:nvPr>
+            <p:ph type="sldNum" sz="quarter" idx="12"/>
+          </p:nvPr>
+        </p:nvSpPr>
+        <p:spPr/>
+        <p:txBody>
+          <a:bodyPr/>
+          <a:lstStyle/>
+          <a:p>
+            <a:fld id="{69AC24DB-4626-4986-8B7C-F487BF5680B4}" type="slidenum">
+              <a:rPr lang="en-US" smtClean="0"/>
+              <a:t>8</a:t>
+            </a:fld>
+            <a:endParaRPr lang="en-US"/>
+          </a:p>
+        </p:txBody>
+      </p:sp>
     </p:spTree>
     <p:extLst>
       <p:ext uri="{BB962C8B-B14F-4D97-AF65-F5344CB8AC3E}">
-        <p14:creationId xmlns:p14="http://schemas.microsoft.com/office/powerpoint/2010/main" val="1507006668"/>
+        <p14:creationId xmlns:p14="http://schemas.microsoft.com/office/powerpoint/2010/main" val="860619418"/>
       </p:ext>
     </p:extLst>
   </p:cSld>
@@ -10620,10 +11961,21 @@
           <a:lstStyle/>
           <a:p>
             <a:r>
+              <a:rPr lang="en-US" dirty="0"/>
+              <a:t>Requirements 			</a:t>
+            </a:r>
+            <a:r>
               <a:rPr lang="en-US" dirty="0" smtClean="0"/>
-              <a:t>Project Management Plan</a:t>
-            </a:r>
-            <a:endParaRPr lang="en-US" dirty="0"/>
+              <a:t>  (</a:t>
+            </a:r>
+            <a:r>
+              <a:rPr lang="en-US" dirty="0" err="1"/>
+              <a:t>Contd</a:t>
+            </a:r>
+            <a:r>
+              <a:rPr lang="en-US" dirty="0"/>
+              <a:t>…)</a:t>
+            </a:r>
           </a:p>
         </p:txBody>
       </p:sp>
@@ -10639,60 +11991,32 @@
         </p:nvSpPr>
         <p:spPr/>
         <p:txBody>
-          <a:bodyPr/>
-          <a:lstStyle/>
-          <a:p>
-            <a:r>
-              <a:rPr lang="en-US" dirty="0"/>
-              <a:t>Project Management Plan includes:</a:t>
+          <a:bodyPr>
+            <a:normAutofit/>
+          </a:bodyPr>
+          <a:lstStyle/>
+          <a:p>
+            <a:r>
+              <a:rPr lang="en-US" dirty="0" smtClean="0"/>
+              <a:t>Admin Requirements </a:t>
             </a:r>
           </a:p>
           <a:p>
             <a:pPr lvl="1"/>
             <a:r>
-              <a:rPr lang="en-US" dirty="0"/>
-              <a:t>Scope Management Plan</a:t>
+              <a:rPr lang="en-US" dirty="0" smtClean="0"/>
+              <a:t>Requirements of the admins are likely to be overlapping with the instructor</a:t>
             </a:r>
           </a:p>
           <a:p>
             <a:pPr lvl="1"/>
             <a:r>
-              <a:rPr lang="en-US" dirty="0"/>
-              <a:t>Communication Management Plan </a:t>
+              <a:rPr lang="en-US" dirty="0" smtClean="0"/>
+              <a:t>Admin has all the features similar to that of an instructor yet has an extra feature to view the details of the instructors and the students of that particular department.</a:t>
             </a:r>
           </a:p>
           <a:p>
             <a:pPr lvl="1"/>
-            <a:r>
-              <a:rPr lang="en-US" dirty="0"/>
-              <a:t>Cost management plan</a:t>
-            </a:r>
-          </a:p>
-          <a:p>
-            <a:pPr lvl="1"/>
-            <a:r>
-              <a:rPr lang="en-US" dirty="0"/>
-              <a:t>Schedule management plan</a:t>
-            </a:r>
-          </a:p>
-          <a:p>
-            <a:pPr lvl="1"/>
-            <a:r>
-              <a:rPr lang="en-US" dirty="0"/>
-              <a:t>Quality Management plan</a:t>
-            </a:r>
-          </a:p>
-          <a:p>
-            <a:pPr lvl="1"/>
-            <a:r>
-              <a:rPr lang="en-US" dirty="0"/>
-              <a:t>Risk Management plan</a:t>
-            </a:r>
-          </a:p>
-          <a:p>
-            <a:pPr marL="0" indent="0">
-              <a:buNone/>
-            </a:pPr>
             <a:endParaRPr lang="en-US" dirty="0"/>
           </a:p>
         </p:txBody>
@@ -10721,10 +12045,33 @@
           <a:ln/>
         </p:spPr>
       </p:pic>
+      <p:sp>
+        <p:nvSpPr>
+          <p:cNvPr id="5" name="Slide Number Placeholder 4"/>
+          <p:cNvSpPr>
+            <a:spLocks noGrp="1"/>
+          </p:cNvSpPr>
+          <p:nvPr>
+            <p:ph type="sldNum" sz="quarter" idx="12"/>
+          </p:nvPr>
+        </p:nvSpPr>
+        <p:spPr/>
+        <p:txBody>
+          <a:bodyPr/>
+          <a:lstStyle/>
+          <a:p>
+            <a:fld id="{69AC24DB-4626-4986-8B7C-F487BF5680B4}" type="slidenum">
+              <a:rPr lang="en-US" smtClean="0"/>
+              <a:t>9</a:t>
+            </a:fld>
+            <a:endParaRPr lang="en-US"/>
+          </a:p>
+        </p:txBody>
+      </p:sp>
     </p:spTree>
     <p:extLst>
       <p:ext uri="{BB962C8B-B14F-4D97-AF65-F5344CB8AC3E}">
-        <p14:creationId xmlns:p14="http://schemas.microsoft.com/office/powerpoint/2010/main" val="2149939236"/>
+        <p14:creationId xmlns:p14="http://schemas.microsoft.com/office/powerpoint/2010/main" val="1507006668"/>
       </p:ext>
     </p:extLst>
   </p:cSld>

--- a/Presentations/Team B - Code Green - FinalPresentation.pptx
+++ b/Presentations/Team B - Code Green - FinalPresentation.pptx
@@ -19,8 +19,8 @@
     <p:sldId id="270" r:id="rId10"/>
     <p:sldId id="273" r:id="rId11"/>
     <p:sldId id="272" r:id="rId12"/>
-    <p:sldId id="277" r:id="rId13"/>
-    <p:sldId id="260" r:id="rId14"/>
+    <p:sldId id="260" r:id="rId13"/>
+    <p:sldId id="277" r:id="rId14"/>
     <p:sldId id="264" r:id="rId15"/>
     <p:sldId id="261" r:id="rId16"/>
     <p:sldId id="263" r:id="rId17"/>
@@ -9156,6 +9156,30 @@
           </a:p>
         </p:txBody>
       </p:sp>
+      <p:pic>
+        <p:nvPicPr>
+          <p:cNvPr id="22" name="image3.png"/>
+          <p:cNvPicPr/>
+          <p:nvPr/>
+        </p:nvPicPr>
+        <p:blipFill>
+          <a:blip r:embed="rId9"/>
+          <a:srcRect/>
+          <a:stretch>
+            <a:fillRect/>
+          </a:stretch>
+        </p:blipFill>
+        <p:spPr>
+          <a:xfrm>
+            <a:off x="9330689" y="624110"/>
+            <a:ext cx="2173923" cy="1164273"/>
+          </a:xfrm>
+          <a:prstGeom prst="rect">
+            <a:avLst/>
+          </a:prstGeom>
+          <a:ln/>
+        </p:spPr>
+      </p:pic>
     </p:spTree>
     <p:extLst>
       <p:ext uri="{BB962C8B-B14F-4D97-AF65-F5344CB8AC3E}">
@@ -9339,118 +9363,6 @@
           <a:p>
             <a:r>
               <a:rPr lang="en-US" dirty="0" smtClean="0"/>
-              <a:t>Software Architecture</a:t>
-            </a:r>
-            <a:endParaRPr lang="en-US" dirty="0"/>
-          </a:p>
-        </p:txBody>
-      </p:sp>
-      <p:pic>
-        <p:nvPicPr>
-          <p:cNvPr id="5" name="Content Placeholder 4"/>
-          <p:cNvPicPr>
-            <a:picLocks noGrp="1" noChangeAspect="1"/>
-          </p:cNvPicPr>
-          <p:nvPr>
-            <p:ph idx="1"/>
-          </p:nvPr>
-        </p:nvPicPr>
-        <p:blipFill>
-          <a:blip r:embed="rId2">
-            <a:extLst>
-              <a:ext uri="{28A0092B-C50C-407E-A947-70E740481C1C}">
-                <a14:useLocalDpi xmlns:a14="http://schemas.microsoft.com/office/drawing/2010/main" val="0"/>
-              </a:ext>
-            </a:extLst>
-          </a:blip>
-          <a:stretch>
-            <a:fillRect/>
-          </a:stretch>
-        </p:blipFill>
-        <p:spPr>
-          <a:xfrm>
-            <a:off x="2592925" y="1738649"/>
-            <a:ext cx="9397784" cy="4778061"/>
-          </a:xfrm>
-        </p:spPr>
-      </p:pic>
-      <p:sp>
-        <p:nvSpPr>
-          <p:cNvPr id="4" name="Slide Number Placeholder 3"/>
-          <p:cNvSpPr>
-            <a:spLocks noGrp="1"/>
-          </p:cNvSpPr>
-          <p:nvPr>
-            <p:ph type="sldNum" sz="quarter" idx="12"/>
-          </p:nvPr>
-        </p:nvSpPr>
-        <p:spPr/>
-        <p:txBody>
-          <a:bodyPr/>
-          <a:lstStyle/>
-          <a:p>
-            <a:fld id="{69AC24DB-4626-4986-8B7C-F487BF5680B4}" type="slidenum">
-              <a:rPr lang="en-US" smtClean="0"/>
-              <a:t>12</a:t>
-            </a:fld>
-            <a:endParaRPr lang="en-US"/>
-          </a:p>
-        </p:txBody>
-      </p:sp>
-    </p:spTree>
-    <p:extLst>
-      <p:ext uri="{BB962C8B-B14F-4D97-AF65-F5344CB8AC3E}">
-        <p14:creationId xmlns:p14="http://schemas.microsoft.com/office/powerpoint/2010/main" val="3859691895"/>
-      </p:ext>
-    </p:extLst>
-  </p:cSld>
-  <p:clrMapOvr>
-    <a:masterClrMapping/>
-  </p:clrMapOvr>
-  <p:timing>
-    <p:tnLst>
-      <p:par>
-        <p:cTn id="1" dur="indefinite" restart="never" nodeType="tmRoot"/>
-      </p:par>
-    </p:tnLst>
-  </p:timing>
-</p:sld>
-</file>
-
-<file path=ppt/slides/slide13.xml><?xml version="1.0" encoding="utf-8"?>
-<p:sld xmlns:a="http://schemas.openxmlformats.org/drawingml/2006/main" xmlns:r="http://schemas.openxmlformats.org/officeDocument/2006/relationships" xmlns:p="http://schemas.openxmlformats.org/presentationml/2006/main">
-  <p:cSld>
-    <p:spTree>
-      <p:nvGrpSpPr>
-        <p:cNvPr id="1" name=""/>
-        <p:cNvGrpSpPr/>
-        <p:nvPr/>
-      </p:nvGrpSpPr>
-      <p:grpSpPr>
-        <a:xfrm>
-          <a:off x="0" y="0"/>
-          <a:ext cx="0" cy="0"/>
-          <a:chOff x="0" y="0"/>
-          <a:chExt cx="0" cy="0"/>
-        </a:xfrm>
-      </p:grpSpPr>
-      <p:sp>
-        <p:nvSpPr>
-          <p:cNvPr id="2" name="Title 1"/>
-          <p:cNvSpPr>
-            <a:spLocks noGrp="1"/>
-          </p:cNvSpPr>
-          <p:nvPr>
-            <p:ph type="title"/>
-          </p:nvPr>
-        </p:nvSpPr>
-        <p:spPr/>
-        <p:txBody>
-          <a:bodyPr/>
-          <a:lstStyle/>
-          <a:p>
-            <a:r>
-              <a:rPr lang="en-US" dirty="0" smtClean="0"/>
               <a:t>Architecture</a:t>
             </a:r>
             <a:endParaRPr lang="en-US" dirty="0"/>
@@ -9554,7 +9466,7 @@
           <a:p>
             <a:fld id="{69AC24DB-4626-4986-8B7C-F487BF5680B4}" type="slidenum">
               <a:rPr lang="en-US" smtClean="0"/>
-              <a:t>13</a:t>
+              <a:t>12</a:t>
             </a:fld>
             <a:endParaRPr lang="en-US"/>
           </a:p>
@@ -9596,6 +9508,142 @@
     <p:extLst>
       <p:ext uri="{BB962C8B-B14F-4D97-AF65-F5344CB8AC3E}">
         <p14:creationId xmlns:p14="http://schemas.microsoft.com/office/powerpoint/2010/main" val="2691368150"/>
+      </p:ext>
+    </p:extLst>
+  </p:cSld>
+  <p:clrMapOvr>
+    <a:masterClrMapping/>
+  </p:clrMapOvr>
+  <p:timing>
+    <p:tnLst>
+      <p:par>
+        <p:cTn id="1" dur="indefinite" restart="never" nodeType="tmRoot"/>
+      </p:par>
+    </p:tnLst>
+  </p:timing>
+</p:sld>
+</file>
+
+<file path=ppt/slides/slide13.xml><?xml version="1.0" encoding="utf-8"?>
+<p:sld xmlns:a="http://schemas.openxmlformats.org/drawingml/2006/main" xmlns:r="http://schemas.openxmlformats.org/officeDocument/2006/relationships" xmlns:p="http://schemas.openxmlformats.org/presentationml/2006/main">
+  <p:cSld>
+    <p:spTree>
+      <p:nvGrpSpPr>
+        <p:cNvPr id="1" name=""/>
+        <p:cNvGrpSpPr/>
+        <p:nvPr/>
+      </p:nvGrpSpPr>
+      <p:grpSpPr>
+        <a:xfrm>
+          <a:off x="0" y="0"/>
+          <a:ext cx="0" cy="0"/>
+          <a:chOff x="0" y="0"/>
+          <a:chExt cx="0" cy="0"/>
+        </a:xfrm>
+      </p:grpSpPr>
+      <p:sp>
+        <p:nvSpPr>
+          <p:cNvPr id="2" name="Title 1"/>
+          <p:cNvSpPr>
+            <a:spLocks noGrp="1"/>
+          </p:cNvSpPr>
+          <p:nvPr>
+            <p:ph type="title"/>
+          </p:nvPr>
+        </p:nvSpPr>
+        <p:spPr/>
+        <p:txBody>
+          <a:bodyPr/>
+          <a:lstStyle/>
+          <a:p>
+            <a:r>
+              <a:rPr lang="en-US" dirty="0" smtClean="0"/>
+              <a:t>Software Architecture</a:t>
+            </a:r>
+            <a:endParaRPr lang="en-US" dirty="0"/>
+          </a:p>
+        </p:txBody>
+      </p:sp>
+      <p:pic>
+        <p:nvPicPr>
+          <p:cNvPr id="5" name="Content Placeholder 4"/>
+          <p:cNvPicPr>
+            <a:picLocks noGrp="1" noChangeAspect="1"/>
+          </p:cNvPicPr>
+          <p:nvPr>
+            <p:ph idx="1"/>
+          </p:nvPr>
+        </p:nvPicPr>
+        <p:blipFill>
+          <a:blip r:embed="rId2">
+            <a:extLst>
+              <a:ext uri="{28A0092B-C50C-407E-A947-70E740481C1C}">
+                <a14:useLocalDpi xmlns:a14="http://schemas.microsoft.com/office/drawing/2010/main" val="0"/>
+              </a:ext>
+            </a:extLst>
+          </a:blip>
+          <a:stretch>
+            <a:fillRect/>
+          </a:stretch>
+        </p:blipFill>
+        <p:spPr>
+          <a:xfrm>
+            <a:off x="2592925" y="1738649"/>
+            <a:ext cx="9397784" cy="4778061"/>
+          </a:xfrm>
+        </p:spPr>
+      </p:pic>
+      <p:sp>
+        <p:nvSpPr>
+          <p:cNvPr id="4" name="Slide Number Placeholder 3"/>
+          <p:cNvSpPr>
+            <a:spLocks noGrp="1"/>
+          </p:cNvSpPr>
+          <p:nvPr>
+            <p:ph type="sldNum" sz="quarter" idx="12"/>
+          </p:nvPr>
+        </p:nvSpPr>
+        <p:spPr/>
+        <p:txBody>
+          <a:bodyPr/>
+          <a:lstStyle/>
+          <a:p>
+            <a:fld id="{69AC24DB-4626-4986-8B7C-F487BF5680B4}" type="slidenum">
+              <a:rPr lang="en-US" smtClean="0"/>
+              <a:t>13</a:t>
+            </a:fld>
+            <a:endParaRPr lang="en-US"/>
+          </a:p>
+        </p:txBody>
+      </p:sp>
+      <p:pic>
+        <p:nvPicPr>
+          <p:cNvPr id="6" name="image3.png"/>
+          <p:cNvPicPr/>
+          <p:nvPr/>
+        </p:nvPicPr>
+        <p:blipFill>
+          <a:blip r:embed="rId3"/>
+          <a:srcRect/>
+          <a:stretch>
+            <a:fillRect/>
+          </a:stretch>
+        </p:blipFill>
+        <p:spPr>
+          <a:xfrm>
+            <a:off x="9330689" y="624110"/>
+            <a:ext cx="2173923" cy="1164273"/>
+          </a:xfrm>
+          <a:prstGeom prst="rect">
+            <a:avLst/>
+          </a:prstGeom>
+          <a:ln/>
+        </p:spPr>
+      </p:pic>
+    </p:spTree>
+    <p:extLst>
+      <p:ext uri="{BB962C8B-B14F-4D97-AF65-F5344CB8AC3E}">
+        <p14:creationId xmlns:p14="http://schemas.microsoft.com/office/powerpoint/2010/main" val="3859691895"/>
       </p:ext>
     </p:extLst>
   </p:cSld>
@@ -11085,6 +11133,30 @@
           </a:p>
         </p:txBody>
       </p:sp>
+      <p:pic>
+        <p:nvPicPr>
+          <p:cNvPr id="5" name="image3.png"/>
+          <p:cNvPicPr/>
+          <p:nvPr/>
+        </p:nvPicPr>
+        <p:blipFill>
+          <a:blip r:embed="rId2"/>
+          <a:srcRect/>
+          <a:stretch>
+            <a:fillRect/>
+          </a:stretch>
+        </p:blipFill>
+        <p:spPr>
+          <a:xfrm>
+            <a:off x="9330689" y="624110"/>
+            <a:ext cx="2173923" cy="1164273"/>
+          </a:xfrm>
+          <a:prstGeom prst="rect">
+            <a:avLst/>
+          </a:prstGeom>
+          <a:ln/>
+        </p:spPr>
+      </p:pic>
     </p:spTree>
     <p:extLst>
       <p:ext uri="{BB962C8B-B14F-4D97-AF65-F5344CB8AC3E}">
@@ -11386,6 +11458,30 @@
           </a:p>
         </p:txBody>
       </p:sp>
+      <p:pic>
+        <p:nvPicPr>
+          <p:cNvPr id="5" name="image3.png"/>
+          <p:cNvPicPr/>
+          <p:nvPr/>
+        </p:nvPicPr>
+        <p:blipFill>
+          <a:blip r:embed="rId2"/>
+          <a:srcRect/>
+          <a:stretch>
+            <a:fillRect/>
+          </a:stretch>
+        </p:blipFill>
+        <p:spPr>
+          <a:xfrm>
+            <a:off x="9330689" y="624110"/>
+            <a:ext cx="2173923" cy="1164273"/>
+          </a:xfrm>
+          <a:prstGeom prst="rect">
+            <a:avLst/>
+          </a:prstGeom>
+          <a:ln/>
+        </p:spPr>
+      </p:pic>
     </p:spTree>
     <p:extLst>
       <p:ext uri="{BB962C8B-B14F-4D97-AF65-F5344CB8AC3E}">

--- a/Presentations/Team B - Code Green - FinalPresentation.pptx
+++ b/Presentations/Team B - Code Green - FinalPresentation.pptx
@@ -122,6 +122,11 @@
       </a:defRPr>
     </a:lvl9pPr>
   </p:defaultTextStyle>
+  <p:extLst>
+    <p:ext uri="{EFAFB233-063F-42B5-8137-9DF3F51BA10A}">
+      <p15:sldGuideLst xmlns:p15="http://schemas.microsoft.com/office/powerpoint/2012/main"/>
+    </p:ext>
+  </p:extLst>
 </p:presentation>
 </file>
 
@@ -207,7 +212,7 @@
           <a:p>
             <a:fld id="{33AD7EA4-4CE7-4C57-B79E-75139A5C31A2}" type="datetimeFigureOut">
               <a:rPr lang="en-US" smtClean="0"/>
-              <a:t>7/17/2017</a:t>
+              <a:t>7/18/2017</a:t>
             </a:fld>
             <a:endParaRPr lang="en-US"/>
           </a:p>
@@ -271,38 +276,37 @@
           <a:p>
             <a:pPr lvl="0"/>
             <a:r>
-              <a:rPr lang="en-US" smtClean="0"/>
+              <a:rPr lang="en-US"/>
               <a:t>Click to edit Master text styles</a:t>
             </a:r>
           </a:p>
           <a:p>
             <a:pPr lvl="1"/>
             <a:r>
-              <a:rPr lang="en-US" smtClean="0"/>
+              <a:rPr lang="en-US"/>
               <a:t>Second level</a:t>
             </a:r>
           </a:p>
           <a:p>
             <a:pPr lvl="2"/>
             <a:r>
-              <a:rPr lang="en-US" smtClean="0"/>
+              <a:rPr lang="en-US"/>
               <a:t>Third level</a:t>
             </a:r>
           </a:p>
           <a:p>
             <a:pPr lvl="3"/>
             <a:r>
-              <a:rPr lang="en-US" smtClean="0"/>
+              <a:rPr lang="en-US"/>
               <a:t>Fourth level</a:t>
             </a:r>
           </a:p>
           <a:p>
             <a:pPr lvl="4"/>
             <a:r>
-              <a:rPr lang="en-US" smtClean="0"/>
+              <a:rPr lang="en-US"/>
               <a:t>Fifth level</a:t>
             </a:r>
-            <a:endParaRPr lang="en-US"/>
           </a:p>
         </p:txBody>
       </p:sp>
@@ -603,7 +607,7 @@
           </a:lstStyle>
           <a:p>
             <a:r>
-              <a:rPr lang="en-US" smtClean="0"/>
+              <a:rPr lang="en-US"/>
               <a:t>Click to edit Master title style</a:t>
             </a:r>
             <a:endParaRPr lang="en-US" dirty="0"/>
@@ -723,7 +727,7 @@
           </a:lstStyle>
           <a:p>
             <a:r>
-              <a:rPr lang="en-US" smtClean="0"/>
+              <a:rPr lang="en-US"/>
               <a:t>Click to edit Master subtitle style</a:t>
             </a:r>
             <a:endParaRPr lang="en-US" dirty="0"/>
@@ -747,7 +751,7 @@
           <a:p>
             <a:fld id="{59C2D38B-A6D5-4D30-95C0-4A973339793A}" type="datetimeFigureOut">
               <a:rPr lang="en-US" smtClean="0"/>
-              <a:t>7/15/2017</a:t>
+              <a:t>7/18/2017</a:t>
             </a:fld>
             <a:endParaRPr lang="en-US"/>
           </a:p>
@@ -939,7 +943,7 @@
           </a:lstStyle>
           <a:p>
             <a:r>
-              <a:rPr lang="en-US" smtClean="0"/>
+              <a:rPr lang="en-US"/>
               <a:t>Click to edit Master title style</a:t>
             </a:r>
             <a:endParaRPr lang="en-US" dirty="0"/>
@@ -1062,7 +1066,7 @@
           <a:p>
             <a:pPr lvl="0"/>
             <a:r>
-              <a:rPr lang="en-US" smtClean="0"/>
+              <a:rPr lang="en-US"/>
               <a:t>Click to edit Master text styles</a:t>
             </a:r>
           </a:p>
@@ -1085,7 +1089,7 @@
           <a:p>
             <a:fld id="{59C2D38B-A6D5-4D30-95C0-4A973339793A}" type="datetimeFigureOut">
               <a:rPr lang="en-US" smtClean="0"/>
-              <a:t>7/15/2017</a:t>
+              <a:t>7/18/2017</a:t>
             </a:fld>
             <a:endParaRPr lang="en-US"/>
           </a:p>
@@ -1277,7 +1281,7 @@
           </a:lstStyle>
           <a:p>
             <a:r>
-              <a:rPr lang="en-US" smtClean="0"/>
+              <a:rPr lang="en-US"/>
               <a:t>Click to edit Master title style</a:t>
             </a:r>
             <a:endParaRPr lang="en-US" dirty="0"/>
@@ -1341,7 +1345,7 @@
           <a:p>
             <a:pPr lvl="0"/>
             <a:r>
-              <a:rPr lang="en-US" smtClean="0"/>
+              <a:rPr lang="en-US"/>
               <a:t>Click to edit Master text styles</a:t>
             </a:r>
           </a:p>
@@ -1463,7 +1467,7 @@
           <a:p>
             <a:pPr lvl="0"/>
             <a:r>
-              <a:rPr lang="en-US" smtClean="0"/>
+              <a:rPr lang="en-US"/>
               <a:t>Click to edit Master text styles</a:t>
             </a:r>
           </a:p>
@@ -1486,7 +1490,7 @@
           <a:p>
             <a:fld id="{59C2D38B-A6D5-4D30-95C0-4A973339793A}" type="datetimeFigureOut">
               <a:rPr lang="en-US" smtClean="0"/>
-              <a:t>7/15/2017</a:t>
+              <a:t>7/18/2017</a:t>
             </a:fld>
             <a:endParaRPr lang="en-US"/>
           </a:p>
@@ -1754,7 +1758,7 @@
           </a:lstStyle>
           <a:p>
             <a:r>
-              <a:rPr lang="en-US" smtClean="0"/>
+              <a:rPr lang="en-US"/>
               <a:t>Click to edit Master title style</a:t>
             </a:r>
             <a:endParaRPr lang="en-US" dirty="0"/>
@@ -1799,7 +1803,7 @@
               <a:buNone/>
             </a:pPr>
             <a:r>
-              <a:rPr lang="en-US" smtClean="0"/>
+              <a:rPr lang="en-US"/>
               <a:t>Click to edit Master text styles</a:t>
             </a:r>
           </a:p>
@@ -1822,7 +1826,7 @@
           <a:p>
             <a:fld id="{59C2D38B-A6D5-4D30-95C0-4A973339793A}" type="datetimeFigureOut">
               <a:rPr lang="en-US" smtClean="0"/>
-              <a:t>7/15/2017</a:t>
+              <a:t>7/18/2017</a:t>
             </a:fld>
             <a:endParaRPr lang="en-US"/>
           </a:p>
@@ -2014,7 +2018,7 @@
           </a:lstStyle>
           <a:p>
             <a:r>
-              <a:rPr lang="en-US" smtClean="0"/>
+              <a:rPr lang="en-US"/>
               <a:t>Click to edit Master title style</a:t>
             </a:r>
             <a:endParaRPr lang="en-US" dirty="0"/>
@@ -2075,7 +2079,7 @@
           <a:p>
             <a:pPr lvl="0"/>
             <a:r>
-              <a:rPr lang="en-US" smtClean="0"/>
+              <a:rPr lang="en-US"/>
               <a:t>Click to edit Master text styles</a:t>
             </a:r>
           </a:p>
@@ -2119,7 +2123,7 @@
               <a:buNone/>
             </a:pPr>
             <a:r>
-              <a:rPr lang="en-US" smtClean="0"/>
+              <a:rPr lang="en-US"/>
               <a:t>Click to edit Master text styles</a:t>
             </a:r>
           </a:p>
@@ -2142,7 +2146,7 @@
           <a:p>
             <a:fld id="{59C2D38B-A6D5-4D30-95C0-4A973339793A}" type="datetimeFigureOut">
               <a:rPr lang="en-US" smtClean="0"/>
-              <a:t>7/15/2017</a:t>
+              <a:t>7/18/2017</a:t>
             </a:fld>
             <a:endParaRPr lang="en-US"/>
           </a:p>
@@ -2410,7 +2414,7 @@
           </a:lstStyle>
           <a:p>
             <a:r>
-              <a:rPr lang="en-US" smtClean="0"/>
+              <a:rPr lang="en-US"/>
               <a:t>Click to edit Master title style</a:t>
             </a:r>
             <a:endParaRPr lang="en-US" dirty="0"/>
@@ -2471,7 +2475,7 @@
           <a:p>
             <a:pPr lvl="0"/>
             <a:r>
-              <a:rPr lang="en-US" smtClean="0"/>
+              <a:rPr lang="en-US"/>
               <a:t>Click to edit Master text styles</a:t>
             </a:r>
           </a:p>
@@ -2515,7 +2519,7 @@
               <a:buNone/>
             </a:pPr>
             <a:r>
-              <a:rPr lang="en-US" smtClean="0"/>
+              <a:rPr lang="en-US"/>
               <a:t>Click to edit Master text styles</a:t>
             </a:r>
           </a:p>
@@ -2538,7 +2542,7 @@
           <a:p>
             <a:fld id="{59C2D38B-A6D5-4D30-95C0-4A973339793A}" type="datetimeFigureOut">
               <a:rPr lang="en-US" smtClean="0"/>
-              <a:t>7/15/2017</a:t>
+              <a:t>7/18/2017</a:t>
             </a:fld>
             <a:endParaRPr lang="en-US"/>
           </a:p>
@@ -2719,7 +2723,7 @@
           <a:lstStyle/>
           <a:p>
             <a:r>
-              <a:rPr lang="en-US" smtClean="0"/>
+              <a:rPr lang="en-US"/>
               <a:t>Click to edit Master title style</a:t>
             </a:r>
             <a:endParaRPr lang="en-US" dirty="0"/>
@@ -2743,35 +2747,35 @@
           <a:p>
             <a:pPr lvl="0"/>
             <a:r>
-              <a:rPr lang="en-US" smtClean="0"/>
+              <a:rPr lang="en-US"/>
               <a:t>Click to edit Master text styles</a:t>
             </a:r>
           </a:p>
           <a:p>
             <a:pPr lvl="1"/>
             <a:r>
-              <a:rPr lang="en-US" smtClean="0"/>
+              <a:rPr lang="en-US"/>
               <a:t>Second level</a:t>
             </a:r>
           </a:p>
           <a:p>
             <a:pPr lvl="2"/>
             <a:r>
-              <a:rPr lang="en-US" smtClean="0"/>
+              <a:rPr lang="en-US"/>
               <a:t>Third level</a:t>
             </a:r>
           </a:p>
           <a:p>
             <a:pPr lvl="3"/>
             <a:r>
-              <a:rPr lang="en-US" smtClean="0"/>
+              <a:rPr lang="en-US"/>
               <a:t>Fourth level</a:t>
             </a:r>
           </a:p>
           <a:p>
             <a:pPr lvl="4"/>
             <a:r>
-              <a:rPr lang="en-US" smtClean="0"/>
+              <a:rPr lang="en-US"/>
               <a:t>Fifth level</a:t>
             </a:r>
             <a:endParaRPr lang="en-US" dirty="0"/>
@@ -2795,7 +2799,7 @@
           <a:p>
             <a:fld id="{59C2D38B-A6D5-4D30-95C0-4A973339793A}" type="datetimeFigureOut">
               <a:rPr lang="en-US" smtClean="0"/>
-              <a:t>7/15/2017</a:t>
+              <a:t>7/18/2017</a:t>
             </a:fld>
             <a:endParaRPr lang="en-US"/>
           </a:p>
@@ -2976,7 +2980,7 @@
           <a:lstStyle/>
           <a:p>
             <a:r>
-              <a:rPr lang="en-US" smtClean="0"/>
+              <a:rPr lang="en-US"/>
               <a:t>Click to edit Master title style</a:t>
             </a:r>
             <a:endParaRPr lang="en-US" dirty="0"/>
@@ -3005,35 +3009,35 @@
           <a:p>
             <a:pPr lvl="0"/>
             <a:r>
-              <a:rPr lang="en-US" smtClean="0"/>
+              <a:rPr lang="en-US"/>
               <a:t>Click to edit Master text styles</a:t>
             </a:r>
           </a:p>
           <a:p>
             <a:pPr lvl="1"/>
             <a:r>
-              <a:rPr lang="en-US" smtClean="0"/>
+              <a:rPr lang="en-US"/>
               <a:t>Second level</a:t>
             </a:r>
           </a:p>
           <a:p>
             <a:pPr lvl="2"/>
             <a:r>
-              <a:rPr lang="en-US" smtClean="0"/>
+              <a:rPr lang="en-US"/>
               <a:t>Third level</a:t>
             </a:r>
           </a:p>
           <a:p>
             <a:pPr lvl="3"/>
             <a:r>
-              <a:rPr lang="en-US" smtClean="0"/>
+              <a:rPr lang="en-US"/>
               <a:t>Fourth level</a:t>
             </a:r>
           </a:p>
           <a:p>
             <a:pPr lvl="4"/>
             <a:r>
-              <a:rPr lang="en-US" smtClean="0"/>
+              <a:rPr lang="en-US"/>
               <a:t>Fifth level</a:t>
             </a:r>
             <a:endParaRPr lang="en-US" dirty="0"/>
@@ -3057,7 +3061,7 @@
           <a:p>
             <a:fld id="{59C2D38B-A6D5-4D30-95C0-4A973339793A}" type="datetimeFigureOut">
               <a:rPr lang="en-US" smtClean="0"/>
-              <a:t>7/15/2017</a:t>
+              <a:t>7/18/2017</a:t>
             </a:fld>
             <a:endParaRPr lang="en-US"/>
           </a:p>
@@ -3238,7 +3242,7 @@
           <a:lstStyle/>
           <a:p>
             <a:r>
-              <a:rPr lang="en-US" smtClean="0"/>
+              <a:rPr lang="en-US"/>
               <a:t>Click to edit Master title style</a:t>
             </a:r>
             <a:endParaRPr lang="en-US" dirty="0"/>
@@ -3267,35 +3271,35 @@
           <a:p>
             <a:pPr lvl="0"/>
             <a:r>
-              <a:rPr lang="en-US" smtClean="0"/>
+              <a:rPr lang="en-US"/>
               <a:t>Click to edit Master text styles</a:t>
             </a:r>
           </a:p>
           <a:p>
             <a:pPr lvl="1"/>
             <a:r>
-              <a:rPr lang="en-US" smtClean="0"/>
+              <a:rPr lang="en-US"/>
               <a:t>Second level</a:t>
             </a:r>
           </a:p>
           <a:p>
             <a:pPr lvl="2"/>
             <a:r>
-              <a:rPr lang="en-US" smtClean="0"/>
+              <a:rPr lang="en-US"/>
               <a:t>Third level</a:t>
             </a:r>
           </a:p>
           <a:p>
             <a:pPr lvl="3"/>
             <a:r>
-              <a:rPr lang="en-US" smtClean="0"/>
+              <a:rPr lang="en-US"/>
               <a:t>Fourth level</a:t>
             </a:r>
           </a:p>
           <a:p>
             <a:pPr lvl="4"/>
             <a:r>
-              <a:rPr lang="en-US" smtClean="0"/>
+              <a:rPr lang="en-US"/>
               <a:t>Fifth level</a:t>
             </a:r>
             <a:endParaRPr lang="en-US" dirty="0"/>
@@ -3319,7 +3323,7 @@
           <a:p>
             <a:fld id="{59C2D38B-A6D5-4D30-95C0-4A973339793A}" type="datetimeFigureOut">
               <a:rPr lang="en-US" smtClean="0"/>
-              <a:t>7/15/2017</a:t>
+              <a:t>7/18/2017</a:t>
             </a:fld>
             <a:endParaRPr lang="en-US"/>
           </a:p>
@@ -3504,7 +3508,7 @@
           </a:lstStyle>
           <a:p>
             <a:r>
-              <a:rPr lang="en-US" smtClean="0"/>
+              <a:rPr lang="en-US"/>
               <a:t>Click to edit Master title style</a:t>
             </a:r>
             <a:endParaRPr lang="en-US" dirty="0"/>
@@ -3625,7 +3629,7 @@
           <a:p>
             <a:pPr lvl="0"/>
             <a:r>
-              <a:rPr lang="en-US" smtClean="0"/>
+              <a:rPr lang="en-US"/>
               <a:t>Click to edit Master text styles</a:t>
             </a:r>
           </a:p>
@@ -3648,7 +3652,7 @@
           <a:p>
             <a:fld id="{59C2D38B-A6D5-4D30-95C0-4A973339793A}" type="datetimeFigureOut">
               <a:rPr lang="en-US" smtClean="0"/>
-              <a:t>7/15/2017</a:t>
+              <a:t>7/18/2017</a:t>
             </a:fld>
             <a:endParaRPr lang="en-US"/>
           </a:p>
@@ -3829,7 +3833,7 @@
           <a:lstStyle/>
           <a:p>
             <a:r>
-              <a:rPr lang="en-US" smtClean="0"/>
+              <a:rPr lang="en-US"/>
               <a:t>Click to edit Master title style</a:t>
             </a:r>
             <a:endParaRPr lang="en-US" dirty="0"/>
@@ -3860,35 +3864,35 @@
           <a:p>
             <a:pPr lvl="0"/>
             <a:r>
-              <a:rPr lang="en-US" smtClean="0"/>
+              <a:rPr lang="en-US"/>
               <a:t>Click to edit Master text styles</a:t>
             </a:r>
           </a:p>
           <a:p>
             <a:pPr lvl="1"/>
             <a:r>
-              <a:rPr lang="en-US" smtClean="0"/>
+              <a:rPr lang="en-US"/>
               <a:t>Second level</a:t>
             </a:r>
           </a:p>
           <a:p>
             <a:pPr lvl="2"/>
             <a:r>
-              <a:rPr lang="en-US" smtClean="0"/>
+              <a:rPr lang="en-US"/>
               <a:t>Third level</a:t>
             </a:r>
           </a:p>
           <a:p>
             <a:pPr lvl="3"/>
             <a:r>
-              <a:rPr lang="en-US" smtClean="0"/>
+              <a:rPr lang="en-US"/>
               <a:t>Fourth level</a:t>
             </a:r>
           </a:p>
           <a:p>
             <a:pPr lvl="4"/>
             <a:r>
-              <a:rPr lang="en-US" smtClean="0"/>
+              <a:rPr lang="en-US"/>
               <a:t>Fifth level</a:t>
             </a:r>
             <a:endParaRPr lang="en-US" dirty="0"/>
@@ -3919,35 +3923,35 @@
           <a:p>
             <a:pPr lvl="0"/>
             <a:r>
-              <a:rPr lang="en-US" smtClean="0"/>
+              <a:rPr lang="en-US"/>
               <a:t>Click to edit Master text styles</a:t>
             </a:r>
           </a:p>
           <a:p>
             <a:pPr lvl="1"/>
             <a:r>
-              <a:rPr lang="en-US" smtClean="0"/>
+              <a:rPr lang="en-US"/>
               <a:t>Second level</a:t>
             </a:r>
           </a:p>
           <a:p>
             <a:pPr lvl="2"/>
             <a:r>
-              <a:rPr lang="en-US" smtClean="0"/>
+              <a:rPr lang="en-US"/>
               <a:t>Third level</a:t>
             </a:r>
           </a:p>
           <a:p>
             <a:pPr lvl="3"/>
             <a:r>
-              <a:rPr lang="en-US" smtClean="0"/>
+              <a:rPr lang="en-US"/>
               <a:t>Fourth level</a:t>
             </a:r>
           </a:p>
           <a:p>
             <a:pPr lvl="4"/>
             <a:r>
-              <a:rPr lang="en-US" smtClean="0"/>
+              <a:rPr lang="en-US"/>
               <a:t>Fifth level</a:t>
             </a:r>
             <a:endParaRPr lang="en-US" dirty="0"/>
@@ -3971,7 +3975,7 @@
           <a:p>
             <a:fld id="{59C2D38B-A6D5-4D30-95C0-4A973339793A}" type="datetimeFigureOut">
               <a:rPr lang="en-US" smtClean="0"/>
-              <a:t>7/15/2017</a:t>
+              <a:t>7/18/2017</a:t>
             </a:fld>
             <a:endParaRPr lang="en-US"/>
           </a:p>
@@ -4152,7 +4156,7 @@
           <a:lstStyle/>
           <a:p>
             <a:r>
-              <a:rPr lang="en-US" smtClean="0"/>
+              <a:rPr lang="en-US"/>
               <a:t>Click to edit Master title style</a:t>
             </a:r>
             <a:endParaRPr lang="en-US" dirty="0"/>
@@ -4220,7 +4224,7 @@
           <a:p>
             <a:pPr lvl="0"/>
             <a:r>
-              <a:rPr lang="en-US" smtClean="0"/>
+              <a:rPr lang="en-US"/>
               <a:t>Click to edit Master text styles</a:t>
             </a:r>
           </a:p>
@@ -4250,35 +4254,35 @@
           <a:p>
             <a:pPr lvl="0"/>
             <a:r>
-              <a:rPr lang="en-US" smtClean="0"/>
+              <a:rPr lang="en-US"/>
               <a:t>Click to edit Master text styles</a:t>
             </a:r>
           </a:p>
           <a:p>
             <a:pPr lvl="1"/>
             <a:r>
-              <a:rPr lang="en-US" smtClean="0"/>
+              <a:rPr lang="en-US"/>
               <a:t>Second level</a:t>
             </a:r>
           </a:p>
           <a:p>
             <a:pPr lvl="2"/>
             <a:r>
-              <a:rPr lang="en-US" smtClean="0"/>
+              <a:rPr lang="en-US"/>
               <a:t>Third level</a:t>
             </a:r>
           </a:p>
           <a:p>
             <a:pPr lvl="3"/>
             <a:r>
-              <a:rPr lang="en-US" smtClean="0"/>
+              <a:rPr lang="en-US"/>
               <a:t>Fourth level</a:t>
             </a:r>
           </a:p>
           <a:p>
             <a:pPr lvl="4"/>
             <a:r>
-              <a:rPr lang="en-US" smtClean="0"/>
+              <a:rPr lang="en-US"/>
               <a:t>Fifth level</a:t>
             </a:r>
             <a:endParaRPr lang="en-US" dirty="0"/>
@@ -4346,7 +4350,7 @@
           <a:p>
             <a:pPr lvl="0"/>
             <a:r>
-              <a:rPr lang="en-US" smtClean="0"/>
+              <a:rPr lang="en-US"/>
               <a:t>Click to edit Master text styles</a:t>
             </a:r>
           </a:p>
@@ -4376,35 +4380,35 @@
           <a:p>
             <a:pPr lvl="0"/>
             <a:r>
-              <a:rPr lang="en-US" smtClean="0"/>
+              <a:rPr lang="en-US"/>
               <a:t>Click to edit Master text styles</a:t>
             </a:r>
           </a:p>
           <a:p>
             <a:pPr lvl="1"/>
             <a:r>
-              <a:rPr lang="en-US" smtClean="0"/>
+              <a:rPr lang="en-US"/>
               <a:t>Second level</a:t>
             </a:r>
           </a:p>
           <a:p>
             <a:pPr lvl="2"/>
             <a:r>
-              <a:rPr lang="en-US" smtClean="0"/>
+              <a:rPr lang="en-US"/>
               <a:t>Third level</a:t>
             </a:r>
           </a:p>
           <a:p>
             <a:pPr lvl="3"/>
             <a:r>
-              <a:rPr lang="en-US" smtClean="0"/>
+              <a:rPr lang="en-US"/>
               <a:t>Fourth level</a:t>
             </a:r>
           </a:p>
           <a:p>
             <a:pPr lvl="4"/>
             <a:r>
-              <a:rPr lang="en-US" smtClean="0"/>
+              <a:rPr lang="en-US"/>
               <a:t>Fifth level</a:t>
             </a:r>
             <a:endParaRPr lang="en-US" dirty="0"/>
@@ -4428,7 +4432,7 @@
           <a:p>
             <a:fld id="{59C2D38B-A6D5-4D30-95C0-4A973339793A}" type="datetimeFigureOut">
               <a:rPr lang="en-US" smtClean="0"/>
-              <a:t>7/15/2017</a:t>
+              <a:t>7/18/2017</a:t>
             </a:fld>
             <a:endParaRPr lang="en-US"/>
           </a:p>
@@ -4609,7 +4613,7 @@
           <a:lstStyle/>
           <a:p>
             <a:r>
-              <a:rPr lang="en-US" smtClean="0"/>
+              <a:rPr lang="en-US"/>
               <a:t>Click to edit Master title style</a:t>
             </a:r>
             <a:endParaRPr lang="en-US" dirty="0"/>
@@ -4633,7 +4637,7 @@
           <a:p>
             <a:fld id="{59C2D38B-A6D5-4D30-95C0-4A973339793A}" type="datetimeFigureOut">
               <a:rPr lang="en-US" smtClean="0"/>
-              <a:t>7/15/2017</a:t>
+              <a:t>7/18/2017</a:t>
             </a:fld>
             <a:endParaRPr lang="en-US"/>
           </a:p>
@@ -4810,7 +4814,7 @@
           <a:p>
             <a:fld id="{59C2D38B-A6D5-4D30-95C0-4A973339793A}" type="datetimeFigureOut">
               <a:rPr lang="en-US" smtClean="0"/>
-              <a:t>7/15/2017</a:t>
+              <a:t>7/18/2017</a:t>
             </a:fld>
             <a:endParaRPr lang="en-US"/>
           </a:p>
@@ -4995,7 +4999,7 @@
           </a:lstStyle>
           <a:p>
             <a:r>
-              <a:rPr lang="en-US" smtClean="0"/>
+              <a:rPr lang="en-US"/>
               <a:t>Click to edit Master title style</a:t>
             </a:r>
             <a:endParaRPr lang="en-US" dirty="0"/>
@@ -5026,35 +5030,35 @@
           <a:p>
             <a:pPr lvl="0"/>
             <a:r>
-              <a:rPr lang="en-US" smtClean="0"/>
+              <a:rPr lang="en-US"/>
               <a:t>Click to edit Master text styles</a:t>
             </a:r>
           </a:p>
           <a:p>
             <a:pPr lvl="1"/>
             <a:r>
-              <a:rPr lang="en-US" smtClean="0"/>
+              <a:rPr lang="en-US"/>
               <a:t>Second level</a:t>
             </a:r>
           </a:p>
           <a:p>
             <a:pPr lvl="2"/>
             <a:r>
-              <a:rPr lang="en-US" smtClean="0"/>
+              <a:rPr lang="en-US"/>
               <a:t>Third level</a:t>
             </a:r>
           </a:p>
           <a:p>
             <a:pPr lvl="3"/>
             <a:r>
-              <a:rPr lang="en-US" smtClean="0"/>
+              <a:rPr lang="en-US"/>
               <a:t>Fourth level</a:t>
             </a:r>
           </a:p>
           <a:p>
             <a:pPr lvl="4"/>
             <a:r>
-              <a:rPr lang="en-US" smtClean="0"/>
+              <a:rPr lang="en-US"/>
               <a:t>Fifth level</a:t>
             </a:r>
             <a:endParaRPr lang="en-US" dirty="0"/>
@@ -5120,7 +5124,7 @@
           <a:p>
             <a:pPr lvl="0"/>
             <a:r>
-              <a:rPr lang="en-US" smtClean="0"/>
+              <a:rPr lang="en-US"/>
               <a:t>Click to edit Master text styles</a:t>
             </a:r>
           </a:p>
@@ -5143,7 +5147,7 @@
           <a:p>
             <a:fld id="{59C2D38B-A6D5-4D30-95C0-4A973339793A}" type="datetimeFigureOut">
               <a:rPr lang="en-US" smtClean="0"/>
-              <a:t>7/15/2017</a:t>
+              <a:t>7/18/2017</a:t>
             </a:fld>
             <a:endParaRPr lang="en-US"/>
           </a:p>
@@ -5330,7 +5334,7 @@
           </a:lstStyle>
           <a:p>
             <a:r>
-              <a:rPr lang="en-US" smtClean="0"/>
+              <a:rPr lang="en-US"/>
               <a:t>Click to edit Master title style</a:t>
             </a:r>
             <a:endParaRPr lang="en-US" dirty="0"/>
@@ -5397,7 +5401,7 @@
           </a:lstStyle>
           <a:p>
             <a:r>
-              <a:rPr lang="en-US" smtClean="0"/>
+              <a:rPr lang="en-US"/>
               <a:t>Click icon to add picture</a:t>
             </a:r>
             <a:endParaRPr lang="en-US" dirty="0"/>
@@ -5465,7 +5469,7 @@
           <a:p>
             <a:pPr lvl="0"/>
             <a:r>
-              <a:rPr lang="en-US" smtClean="0"/>
+              <a:rPr lang="en-US"/>
               <a:t>Click to edit Master text styles</a:t>
             </a:r>
           </a:p>
@@ -5488,7 +5492,7 @@
           <a:p>
             <a:fld id="{59C2D38B-A6D5-4D30-95C0-4A973339793A}" type="datetimeFigureOut">
               <a:rPr lang="en-US" smtClean="0"/>
-              <a:t>7/15/2017</a:t>
+              <a:t>7/18/2017</a:t>
             </a:fld>
             <a:endParaRPr lang="en-US"/>
           </a:p>
@@ -7501,7 +7505,7 @@
           <a:lstStyle/>
           <a:p>
             <a:r>
-              <a:rPr lang="en-US" smtClean="0"/>
+              <a:rPr lang="en-US"/>
               <a:t>Click to edit Master title style</a:t>
             </a:r>
             <a:endParaRPr lang="en-US" dirty="0"/>
@@ -7535,35 +7539,35 @@
           <a:p>
             <a:pPr lvl="0"/>
             <a:r>
-              <a:rPr lang="en-US" smtClean="0"/>
+              <a:rPr lang="en-US"/>
               <a:t>Click to edit Master text styles</a:t>
             </a:r>
           </a:p>
           <a:p>
             <a:pPr lvl="1"/>
             <a:r>
-              <a:rPr lang="en-US" smtClean="0"/>
+              <a:rPr lang="en-US"/>
               <a:t>Second level</a:t>
             </a:r>
           </a:p>
           <a:p>
             <a:pPr lvl="2"/>
             <a:r>
-              <a:rPr lang="en-US" smtClean="0"/>
+              <a:rPr lang="en-US"/>
               <a:t>Third level</a:t>
             </a:r>
           </a:p>
           <a:p>
             <a:pPr lvl="3"/>
             <a:r>
-              <a:rPr lang="en-US" smtClean="0"/>
+              <a:rPr lang="en-US"/>
               <a:t>Fourth level</a:t>
             </a:r>
           </a:p>
           <a:p>
             <a:pPr lvl="4"/>
             <a:r>
-              <a:rPr lang="en-US" smtClean="0"/>
+              <a:rPr lang="en-US"/>
               <a:t>Fifth level</a:t>
             </a:r>
             <a:endParaRPr lang="en-US" dirty="0"/>
@@ -7605,7 +7609,7 @@
           <a:p>
             <a:fld id="{59C2D38B-A6D5-4D30-95C0-4A973339793A}" type="datetimeFigureOut">
               <a:rPr lang="en-US" smtClean="0"/>
-              <a:t>7/15/2017</a:t>
+              <a:t>7/18/2017</a:t>
             </a:fld>
             <a:endParaRPr lang="en-US"/>
           </a:p>
@@ -8226,10 +8230,9 @@
               </a:spcBef>
             </a:pPr>
             <a:r>
-              <a:rPr lang="en" dirty="0" smtClean="0"/>
+              <a:rPr lang="en" dirty="0"/>
               <a:t>Student Attendance Tracking</a:t>
             </a:r>
-            <a:endParaRPr lang="en" dirty="0"/>
           </a:p>
         </p:txBody>
       </p:sp>
@@ -8471,16 +8474,12 @@
               </a:spcBef>
             </a:pPr>
             <a:r>
-              <a:rPr lang="en" sz="1600" b="1" dirty="0" smtClean="0">
+              <a:rPr lang="en" sz="1600" b="1" dirty="0">
                 <a:latin typeface="Times New Roman" panose="02020603050405020304" pitchFamily="18" charset="0"/>
                 <a:cs typeface="Times New Roman" panose="02020603050405020304" pitchFamily="18" charset="0"/>
               </a:rPr>
               <a:t>Group B - Code Green</a:t>
             </a:r>
-            <a:endParaRPr lang="en" sz="1600" b="1" dirty="0" smtClean="0">
-              <a:latin typeface="Times New Roman" panose="02020603050405020304" pitchFamily="18" charset="0"/>
-              <a:cs typeface="Times New Roman" panose="02020603050405020304" pitchFamily="18" charset="0"/>
-            </a:endParaRPr>
           </a:p>
         </p:txBody>
       </p:sp>
@@ -8614,13 +8613,6 @@
   <p:clrMapOvr>
     <a:masterClrMapping/>
   </p:clrMapOvr>
-  <p:timing>
-    <p:tnLst>
-      <p:par>
-        <p:cTn id="1" dur="indefinite" restart="never" nodeType="tmRoot"/>
-      </p:par>
-    </p:tnLst>
-  </p:timing>
 </p:sld>
 </file>
 
@@ -8657,10 +8649,9 @@
           <a:lstStyle/>
           <a:p>
             <a:r>
-              <a:rPr lang="en-US" dirty="0" smtClean="0"/>
+              <a:rPr lang="en-US" dirty="0"/>
               <a:t>Use Case Diagram</a:t>
             </a:r>
-            <a:endParaRPr lang="en-US" dirty="0"/>
           </a:p>
         </p:txBody>
       </p:sp>
@@ -8727,13 +8718,6 @@
   <p:clrMapOvr>
     <a:masterClrMapping/>
   </p:clrMapOvr>
-  <p:timing>
-    <p:tnLst>
-      <p:par>
-        <p:cTn id="1" dur="indefinite" restart="never" nodeType="tmRoot"/>
-      </p:par>
-    </p:tnLst>
-  </p:timing>
 </p:sld>
 </file>
 
@@ -8770,10 +8754,9 @@
           <a:lstStyle/>
           <a:p>
             <a:r>
-              <a:rPr lang="en-US" dirty="0" smtClean="0"/>
+              <a:rPr lang="en-US" dirty="0"/>
               <a:t>Security</a:t>
             </a:r>
-            <a:endParaRPr lang="en-US" dirty="0"/>
           </a:p>
         </p:txBody>
       </p:sp>
@@ -8793,19 +8776,19 @@
           <a:lstStyle/>
           <a:p>
             <a:r>
-              <a:rPr lang="en-US" dirty="0" smtClean="0"/>
+              <a:rPr lang="en-US" dirty="0"/>
               <a:t>Student needs to login into his application before scanning the QR.</a:t>
             </a:r>
           </a:p>
           <a:p>
             <a:r>
-              <a:rPr lang="en-US" dirty="0" smtClean="0"/>
+              <a:rPr lang="en-US" dirty="0"/>
               <a:t>Time constraint to re-login into his account if once logged-out.</a:t>
             </a:r>
           </a:p>
           <a:p>
             <a:r>
-              <a:rPr lang="en-US" dirty="0" smtClean="0"/>
+              <a:rPr lang="en-US" dirty="0"/>
               <a:t>Capturing of the QR code ensures that the student is present at the time of scanning the QR.</a:t>
             </a:r>
           </a:p>
@@ -8851,13 +8834,6 @@
   <p:clrMapOvr>
     <a:masterClrMapping/>
   </p:clrMapOvr>
-  <p:timing>
-    <p:tnLst>
-      <p:par>
-        <p:cTn id="1" dur="indefinite" restart="never" nodeType="tmRoot"/>
-      </p:par>
-    </p:tnLst>
-  </p:timing>
 </p:sld>
 </file>
 
@@ -8894,10 +8870,9 @@
           <a:lstStyle/>
           <a:p>
             <a:r>
-              <a:rPr lang="en-US" dirty="0" smtClean="0"/>
+              <a:rPr lang="en-US" dirty="0"/>
               <a:t>Challenges</a:t>
             </a:r>
-            <a:endParaRPr lang="en-US" dirty="0"/>
           </a:p>
         </p:txBody>
       </p:sp>
@@ -8939,17 +8914,8 @@
           <a:p>
             <a:r>
               <a:rPr lang="en-US" dirty="0"/>
-              <a:t>Scanning </a:t>
-            </a:r>
-            <a:r>
-              <a:rPr lang="en-US" dirty="0"/>
-              <a:t>and capturing QR code in a single </a:t>
-            </a:r>
-            <a:r>
-              <a:rPr lang="en-US" dirty="0"/>
-              <a:t>functionality.</a:t>
-            </a:r>
-            <a:endParaRPr lang="en-US" dirty="0"/>
+              <a:t>Scanning and capturing QR code in a single functionality.</a:t>
+            </a:r>
           </a:p>
           <a:p>
             <a:endParaRPr lang="en-US" dirty="0"/>
@@ -8990,13 +8956,6 @@
   <p:clrMapOvr>
     <a:masterClrMapping/>
   </p:clrMapOvr>
-  <p:timing>
-    <p:tnLst>
-      <p:par>
-        <p:cTn id="1" dur="indefinite" restart="never" nodeType="tmRoot"/>
-      </p:par>
-    </p:tnLst>
-  </p:timing>
 </p:sld>
 </file>
 
@@ -9033,10 +8992,9 @@
           <a:lstStyle/>
           <a:p>
             <a:r>
-              <a:rPr lang="en-US" dirty="0" smtClean="0"/>
+              <a:rPr lang="en-US" dirty="0"/>
               <a:t>Strategy</a:t>
             </a:r>
-            <a:endParaRPr lang="en-US" dirty="0"/>
           </a:p>
         </p:txBody>
       </p:sp>
@@ -9056,19 +9014,19 @@
           <a:lstStyle/>
           <a:p>
             <a:r>
-              <a:rPr lang="en-US" dirty="0" smtClean="0"/>
+              <a:rPr lang="en-US" dirty="0"/>
               <a:t>Developing of a system which initially generates a QR code uniquely every time.</a:t>
             </a:r>
           </a:p>
           <a:p>
             <a:r>
-              <a:rPr lang="en-US" dirty="0" smtClean="0"/>
+              <a:rPr lang="en-US" dirty="0"/>
               <a:t>Scan the uniquely generated QR from a mobile device sending the details of the student scanned the QR to the professor.</a:t>
             </a:r>
           </a:p>
           <a:p>
             <a:r>
-              <a:rPr lang="en-US" dirty="0" smtClean="0"/>
+              <a:rPr lang="en-US" dirty="0"/>
               <a:t>Then finally work on the user interface.</a:t>
             </a:r>
           </a:p>
@@ -9076,7 +9034,7 @@
             <a:pPr marL="0" indent="0">
               <a:buNone/>
             </a:pPr>
-            <a:endParaRPr lang="en-US" dirty="0" smtClean="0"/>
+            <a:endParaRPr lang="en-US" dirty="0"/>
           </a:p>
         </p:txBody>
       </p:sp>
@@ -9114,13 +9072,6 @@
   <p:clrMapOvr>
     <a:masterClrMapping/>
   </p:clrMapOvr>
-  <p:timing>
-    <p:tnLst>
-      <p:par>
-        <p:cTn id="1" dur="indefinite" restart="never" nodeType="tmRoot"/>
-      </p:par>
-    </p:tnLst>
-  </p:timing>
 </p:sld>
 </file>
 
@@ -9157,10 +9108,9 @@
           <a:lstStyle/>
           <a:p>
             <a:r>
-              <a:rPr lang="en-US" dirty="0" smtClean="0"/>
+              <a:rPr lang="en-US" dirty="0"/>
               <a:t>Estimation</a:t>
             </a:r>
-            <a:endParaRPr lang="en-US" dirty="0"/>
           </a:p>
         </p:txBody>
       </p:sp>
@@ -9184,30 +9134,14 @@
             <a:pPr algn="just"/>
             <a:r>
               <a:rPr lang="en-US" dirty="0"/>
-              <a:t>Our rough estimation is around </a:t>
-            </a:r>
+              <a:t>Our rough estimation is around 6000 lines of code</a:t>
+            </a:r>
+          </a:p>
+          <a:p>
+            <a:pPr algn="just"/>
             <a:r>
               <a:rPr lang="en-US" dirty="0"/>
-              <a:t>6000 lines </a:t>
-            </a:r>
-            <a:r>
-              <a:rPr lang="en-US" dirty="0"/>
-              <a:t>of code</a:t>
-            </a:r>
-          </a:p>
-          <a:p>
-            <a:pPr algn="just"/>
-            <a:r>
-              <a:rPr lang="en-US" dirty="0"/>
-              <a:t>Equal </a:t>
-            </a:r>
-            <a:r>
-              <a:rPr lang="en-US" dirty="0"/>
-              <a:t>distribution of tasks among team members</a:t>
-            </a:r>
-            <a:r>
-              <a:rPr lang="en-US" dirty="0"/>
-              <a:t>.</a:t>
+              <a:t>Equal distribution of tasks among team members.</a:t>
             </a:r>
           </a:p>
           <a:p>
@@ -9216,7 +9150,6 @@
               <a:rPr lang="en-US" dirty="0"/>
               <a:t>Will complete the project by the end of 11 week of GDP 2.</a:t>
             </a:r>
-            <a:endParaRPr lang="en-US" dirty="0"/>
           </a:p>
           <a:p>
             <a:pPr algn="just"/>
@@ -9261,13 +9194,6 @@
   <p:clrMapOvr>
     <a:masterClrMapping/>
   </p:clrMapOvr>
-  <p:timing>
-    <p:tnLst>
-      <p:par>
-        <p:cTn id="1" dur="indefinite" restart="never" nodeType="tmRoot"/>
-      </p:par>
-    </p:tnLst>
-  </p:timing>
 </p:sld>
 </file>
 
@@ -9304,10 +9230,9 @@
           <a:lstStyle/>
           <a:p>
             <a:r>
-              <a:rPr lang="en-US" dirty="0" smtClean="0"/>
+              <a:rPr lang="en-US" dirty="0"/>
               <a:t>Conclusion</a:t>
             </a:r>
-            <a:endParaRPr lang="en-US" dirty="0"/>
           </a:p>
         </p:txBody>
       </p:sp>
@@ -9327,16 +9252,15 @@
           <a:lstStyle/>
           <a:p>
             <a:r>
-              <a:rPr lang="en-US" dirty="0" smtClean="0"/>
+              <a:rPr lang="en-US" dirty="0"/>
               <a:t>Generating of the QR code and tracking the attendance of the students would help both the students and the instructor’s save the time.</a:t>
             </a:r>
           </a:p>
           <a:p>
             <a:r>
-              <a:rPr lang="en-US" dirty="0" smtClean="0"/>
+              <a:rPr lang="en-US" dirty="0"/>
               <a:t>This approach could be used by any institution for a better, flexible and an abuse free system.</a:t>
             </a:r>
-            <a:endParaRPr lang="en-US" dirty="0"/>
           </a:p>
         </p:txBody>
       </p:sp>
@@ -9374,13 +9298,6 @@
   <p:clrMapOvr>
     <a:masterClrMapping/>
   </p:clrMapOvr>
-  <p:timing>
-    <p:tnLst>
-      <p:par>
-        <p:cTn id="1" dur="indefinite" restart="never" nodeType="tmRoot"/>
-      </p:par>
-    </p:tnLst>
-  </p:timing>
 </p:sld>
 </file>
 
@@ -9425,16 +9342,12 @@
           <a:p>
             <a:pPr algn="ctr"/>
             <a:r>
-              <a:rPr lang="en-US" sz="6600" b="1" dirty="0" smtClean="0">
+              <a:rPr lang="en-US" sz="6600" b="1" dirty="0">
                 <a:latin typeface="Times New Roman" panose="02020603050405020304" pitchFamily="18" charset="0"/>
                 <a:cs typeface="Times New Roman" panose="02020603050405020304" pitchFamily="18" charset="0"/>
               </a:rPr>
               <a:t>Thank you </a:t>
             </a:r>
-            <a:endParaRPr lang="en-US" sz="6600" b="1" dirty="0">
-              <a:latin typeface="Times New Roman" panose="02020603050405020304" pitchFamily="18" charset="0"/>
-              <a:cs typeface="Times New Roman" panose="02020603050405020304" pitchFamily="18" charset="0"/>
-            </a:endParaRPr>
           </a:p>
         </p:txBody>
       </p:sp>
@@ -9472,13 +9385,6 @@
   <p:clrMapOvr>
     <a:masterClrMapping/>
   </p:clrMapOvr>
-  <p:timing>
-    <p:tnLst>
-      <p:par>
-        <p:cTn id="1" dur="indefinite" restart="never" nodeType="tmRoot"/>
-      </p:par>
-    </p:tnLst>
-  </p:timing>
 </p:sld>
 </file>
 
@@ -9564,20 +9470,12 @@
                   <a:schemeClr val="tx1"/>
                 </a:solidFill>
               </a:rPr>
-              <a:t>Overview of the </a:t>
-            </a:r>
-            <a:r>
-              <a:rPr lang="en-US" dirty="0" smtClean="0">
-                <a:solidFill>
-                  <a:schemeClr val="tx1"/>
-                </a:solidFill>
-              </a:rPr>
-              <a:t>system</a:t>
-            </a:r>
-          </a:p>
-          <a:p>
-            <a:r>
-              <a:rPr lang="en-US" dirty="0" smtClean="0">
+              <a:t>Overview of the system</a:t>
+            </a:r>
+          </a:p>
+          <a:p>
+            <a:r>
+              <a:rPr lang="en-US" dirty="0">
                 <a:solidFill>
                   <a:schemeClr val="tx1"/>
                 </a:solidFill>
@@ -9592,91 +9490,58 @@
                   <a:schemeClr val="tx1"/>
                 </a:solidFill>
               </a:rPr>
-              <a:t>Project Management </a:t>
-            </a:r>
-            <a:r>
-              <a:rPr lang="en-US" dirty="0" smtClean="0">
-                <a:solidFill>
-                  <a:schemeClr val="tx1"/>
-                </a:solidFill>
-              </a:rPr>
-              <a:t>Plan</a:t>
-            </a:r>
-          </a:p>
-          <a:p>
-            <a:r>
-              <a:rPr lang="en-US" dirty="0" smtClean="0">
+              <a:t>Project Management Plan</a:t>
+            </a:r>
+          </a:p>
+          <a:p>
+            <a:r>
+              <a:rPr lang="en-US" dirty="0">
                 <a:solidFill>
                   <a:schemeClr val="tx1"/>
                 </a:solidFill>
               </a:rPr>
               <a:t>Security</a:t>
             </a:r>
-            <a:endParaRPr lang="en-US" dirty="0">
-              <a:solidFill>
-                <a:schemeClr val="tx1"/>
-              </a:solidFill>
-            </a:endParaRPr>
-          </a:p>
-          <a:p>
-            <a:r>
-              <a:rPr lang="en-US" dirty="0" smtClean="0">
+          </a:p>
+          <a:p>
+            <a:r>
+              <a:rPr lang="en-US" dirty="0">
                 <a:solidFill>
                   <a:schemeClr val="tx1"/>
                 </a:solidFill>
               </a:rPr>
               <a:t>Prototypes</a:t>
             </a:r>
-            <a:endParaRPr lang="en-US" dirty="0">
-              <a:solidFill>
-                <a:schemeClr val="tx1"/>
-              </a:solidFill>
-            </a:endParaRPr>
-          </a:p>
-          <a:p>
-            <a:r>
-              <a:rPr lang="en-US" dirty="0" smtClean="0">
+          </a:p>
+          <a:p>
+            <a:r>
+              <a:rPr lang="en-US" dirty="0">
                 <a:solidFill>
                   <a:schemeClr val="tx1"/>
                 </a:solidFill>
               </a:rPr>
               <a:t>Challenges</a:t>
             </a:r>
-            <a:endParaRPr lang="en-US" dirty="0">
-              <a:solidFill>
-                <a:schemeClr val="tx1"/>
-              </a:solidFill>
-            </a:endParaRPr>
-          </a:p>
-          <a:p>
-            <a:r>
-              <a:rPr lang="en-US" dirty="0" smtClean="0">
+          </a:p>
+          <a:p>
+            <a:r>
+              <a:rPr lang="en-US" dirty="0">
                 <a:solidFill>
                   <a:schemeClr val="tx1"/>
                 </a:solidFill>
               </a:rPr>
               <a:t>Strategy</a:t>
             </a:r>
-            <a:endParaRPr lang="en-US" dirty="0">
-              <a:solidFill>
-                <a:schemeClr val="tx1"/>
-              </a:solidFill>
-            </a:endParaRPr>
-          </a:p>
-          <a:p>
-            <a:r>
-              <a:rPr lang="en-US" dirty="0" smtClean="0">
+          </a:p>
+          <a:p>
+            <a:r>
+              <a:rPr lang="en-US" dirty="0">
                 <a:solidFill>
                   <a:schemeClr val="tx1"/>
                 </a:solidFill>
               </a:rPr>
               <a:t>Estimation</a:t>
             </a:r>
-            <a:endParaRPr lang="en-US" dirty="0">
-              <a:solidFill>
-                <a:schemeClr val="tx1"/>
-              </a:solidFill>
-            </a:endParaRPr>
           </a:p>
         </p:txBody>
       </p:sp>
@@ -9714,13 +9579,6 @@
   <p:clrMapOvr>
     <a:masterClrMapping/>
   </p:clrMapOvr>
-  <p:timing>
-    <p:tnLst>
-      <p:par>
-        <p:cTn id="1" dur="indefinite" restart="never" nodeType="tmRoot"/>
-      </p:par>
-    </p:tnLst>
-  </p:timing>
 </p:sld>
 </file>
 
@@ -9779,22 +9637,21 @@
           <a:lstStyle/>
           <a:p>
             <a:r>
-              <a:rPr lang="en-US" dirty="0" smtClean="0"/>
+              <a:rPr lang="en-US" dirty="0"/>
               <a:t>Develop a System which would help the professors easy to grade and track the students attendance.</a:t>
             </a:r>
           </a:p>
           <a:p>
             <a:r>
-              <a:rPr lang="en-US" dirty="0" smtClean="0"/>
+              <a:rPr lang="en-US" dirty="0"/>
               <a:t>Develop  a system which could overcome all the litigations of the previous systems.</a:t>
             </a:r>
           </a:p>
           <a:p>
             <a:r>
-              <a:rPr lang="en-US" dirty="0" smtClean="0"/>
+              <a:rPr lang="en-US" dirty="0"/>
               <a:t>Instructor develops a unique QR for every class and students scan those QR to mark their attendance for that class.</a:t>
             </a:r>
-            <a:endParaRPr lang="en-US" dirty="0"/>
           </a:p>
         </p:txBody>
       </p:sp>
@@ -9832,13 +9689,6 @@
   <p:clrMapOvr>
     <a:masterClrMapping/>
   </p:clrMapOvr>
-  <p:timing>
-    <p:tnLst>
-      <p:par>
-        <p:cTn id="1" dur="indefinite" restart="never" nodeType="tmRoot"/>
-      </p:par>
-    </p:tnLst>
-  </p:timing>
 </p:sld>
 </file>
 
@@ -9875,10 +9725,9 @@
           <a:lstStyle/>
           <a:p>
             <a:r>
-              <a:rPr lang="en-US" dirty="0" smtClean="0"/>
+              <a:rPr lang="en-US" dirty="0"/>
               <a:t>Project Briefing</a:t>
             </a:r>
-            <a:endParaRPr lang="en-US" dirty="0"/>
           </a:p>
         </p:txBody>
       </p:sp>
@@ -9898,59 +9747,57 @@
           <a:lstStyle/>
           <a:p>
             <a:r>
-              <a:rPr lang="en-US" dirty="0" smtClean="0"/>
+              <a:rPr lang="en-US" dirty="0"/>
               <a:t>Three Users of the system</a:t>
             </a:r>
           </a:p>
           <a:p>
             <a:pPr lvl="1"/>
             <a:r>
-              <a:rPr lang="en-US" dirty="0" smtClean="0"/>
+              <a:rPr lang="en-US" dirty="0"/>
               <a:t>Instructor</a:t>
             </a:r>
+          </a:p>
+          <a:p>
+            <a:pPr lvl="1"/>
+            <a:r>
+              <a:rPr lang="en-US" dirty="0"/>
+              <a:t>Student</a:t>
+            </a:r>
+          </a:p>
+          <a:p>
+            <a:pPr lvl="1"/>
+            <a:r>
+              <a:rPr lang="en-US" dirty="0"/>
+              <a:t>Admin</a:t>
+            </a:r>
+          </a:p>
+          <a:p>
             <a:endParaRPr lang="en-US" dirty="0"/>
           </a:p>
           <a:p>
+            <a:r>
+              <a:rPr lang="en-US" dirty="0"/>
+              <a:t>Additional Features</a:t>
+            </a:r>
+          </a:p>
+          <a:p>
             <a:pPr lvl="1"/>
             <a:r>
-              <a:rPr lang="en-US" dirty="0" smtClean="0"/>
-              <a:t>Student</a:t>
-            </a:r>
+              <a:rPr lang="en-US" dirty="0"/>
+              <a:t>Students can view attendance for all courses registered</a:t>
+            </a:r>
+          </a:p>
+          <a:p>
+            <a:pPr lvl="1"/>
+            <a:r>
+              <a:rPr lang="en-US" dirty="0"/>
+              <a:t>Feedback for the student and professor</a:t>
+            </a:r>
+          </a:p>
+          <a:p>
+            <a:pPr lvl="1"/>
             <a:endParaRPr lang="en-US" dirty="0"/>
-          </a:p>
-          <a:p>
-            <a:pPr lvl="1"/>
-            <a:r>
-              <a:rPr lang="en-US" dirty="0" smtClean="0"/>
-              <a:t>Admin</a:t>
-            </a:r>
-          </a:p>
-          <a:p>
-            <a:endParaRPr lang="en-US" dirty="0"/>
-          </a:p>
-          <a:p>
-            <a:r>
-              <a:rPr lang="en-US" dirty="0" smtClean="0"/>
-              <a:t>Additional Features</a:t>
-            </a:r>
-          </a:p>
-          <a:p>
-            <a:pPr lvl="1"/>
-            <a:r>
-              <a:rPr lang="en-US" dirty="0" smtClean="0"/>
-              <a:t>Students can view attendance for all courses registered</a:t>
-            </a:r>
-          </a:p>
-          <a:p>
-            <a:pPr lvl="1"/>
-            <a:r>
-              <a:rPr lang="en-US" dirty="0" smtClean="0"/>
-              <a:t>Feedback for the student and professor</a:t>
-            </a:r>
-          </a:p>
-          <a:p>
-            <a:pPr lvl="1"/>
-            <a:endParaRPr lang="en-US" dirty="0" smtClean="0"/>
           </a:p>
         </p:txBody>
       </p:sp>
@@ -9988,13 +9835,6 @@
   <p:clrMapOvr>
     <a:masterClrMapping/>
   </p:clrMapOvr>
-  <p:timing>
-    <p:tnLst>
-      <p:par>
-        <p:cTn id="1" dur="indefinite" restart="never" nodeType="tmRoot"/>
-      </p:par>
-    </p:tnLst>
-  </p:timing>
 </p:sld>
 </file>
 
@@ -10031,10 +9871,9 @@
           <a:lstStyle/>
           <a:p>
             <a:r>
-              <a:rPr lang="en-US" dirty="0" smtClean="0"/>
+              <a:rPr lang="en-US" dirty="0"/>
               <a:t>Overview of the System</a:t>
             </a:r>
-            <a:endParaRPr lang="en-US" dirty="0"/>
           </a:p>
         </p:txBody>
       </p:sp>
@@ -10087,18 +9926,13 @@
           <a:lstStyle/>
           <a:p>
             <a:r>
-              <a:rPr lang="en-US" dirty="0" smtClean="0">
+              <a:rPr lang="en-US" dirty="0">
                 <a:solidFill>
                   <a:srgbClr val="FF0000"/>
                 </a:solidFill>
               </a:rPr>
               <a:t>Need some clarity on this and yet to include the software architecture</a:t>
             </a:r>
-            <a:endParaRPr lang="en-US" dirty="0">
-              <a:solidFill>
-                <a:srgbClr val="FF0000"/>
-              </a:solidFill>
-            </a:endParaRPr>
           </a:p>
         </p:txBody>
       </p:sp>
@@ -10136,13 +9970,6 @@
   <p:clrMapOvr>
     <a:masterClrMapping/>
   </p:clrMapOvr>
-  <p:timing>
-    <p:tnLst>
-      <p:par>
-        <p:cTn id="1" dur="indefinite" restart="never" nodeType="tmRoot"/>
-      </p:par>
-    </p:tnLst>
-  </p:timing>
 </p:sld>
 </file>
 
@@ -10179,10 +10006,9 @@
           <a:lstStyle/>
           <a:p>
             <a:r>
-              <a:rPr lang="en-US" dirty="0" smtClean="0"/>
+              <a:rPr lang="en-US" dirty="0"/>
               <a:t>Requirements</a:t>
             </a:r>
-            <a:endParaRPr lang="en-US" dirty="0"/>
           </a:p>
         </p:txBody>
       </p:sp>
@@ -10202,35 +10028,35 @@
           <a:lstStyle/>
           <a:p>
             <a:r>
-              <a:rPr lang="en-US" dirty="0" smtClean="0"/>
+              <a:rPr lang="en-US" dirty="0"/>
               <a:t>Student Requirements:</a:t>
             </a:r>
           </a:p>
           <a:p>
             <a:pPr lvl="1"/>
             <a:r>
-              <a:rPr lang="en-US" dirty="0" smtClean="0"/>
+              <a:rPr lang="en-US" dirty="0"/>
               <a:t>Student must be able to Scan the QR code.</a:t>
             </a:r>
           </a:p>
           <a:p>
             <a:pPr lvl="1"/>
             <a:r>
-              <a:rPr lang="en-US" dirty="0" smtClean="0"/>
+              <a:rPr lang="en-US" dirty="0"/>
               <a:t>Must be able to capture the QR code.</a:t>
             </a:r>
           </a:p>
           <a:p>
             <a:pPr lvl="1"/>
             <a:r>
-              <a:rPr lang="en-US" dirty="0" smtClean="0"/>
+              <a:rPr lang="en-US" dirty="0"/>
               <a:t>Student should be able to view the courses he is registered and also be able to check his attendance percentage for the respective courses.</a:t>
             </a:r>
           </a:p>
           <a:p>
             <a:pPr lvl="1"/>
             <a:r>
-              <a:rPr lang="en-US" dirty="0" smtClean="0"/>
+              <a:rPr lang="en-US" dirty="0"/>
               <a:t>System should provide an acknowledge stating if the QR was scanned and attendance has been marked successfully.</a:t>
             </a:r>
           </a:p>
@@ -10276,13 +10102,6 @@
   <p:clrMapOvr>
     <a:masterClrMapping/>
   </p:clrMapOvr>
-  <p:timing>
-    <p:tnLst>
-      <p:par>
-        <p:cTn id="1" dur="indefinite" restart="never" nodeType="tmRoot"/>
-      </p:par>
-    </p:tnLst>
-  </p:timing>
 </p:sld>
 </file>
 
@@ -10319,18 +10138,17 @@
           <a:lstStyle/>
           <a:p>
             <a:r>
-              <a:rPr lang="en-US" dirty="0" smtClean="0"/>
+              <a:rPr lang="en-US" dirty="0"/>
               <a:t>Requirements 			  (</a:t>
             </a:r>
             <a:r>
-              <a:rPr lang="en-US" dirty="0" err="1" smtClean="0"/>
+              <a:rPr lang="en-US" dirty="0" err="1"/>
               <a:t>Contd</a:t>
             </a:r>
             <a:r>
-              <a:rPr lang="en-US" dirty="0" smtClean="0"/>
+              <a:rPr lang="en-US" dirty="0"/>
               <a:t>…)</a:t>
             </a:r>
-            <a:endParaRPr lang="en-US" dirty="0"/>
           </a:p>
         </p:txBody>
       </p:sp>
@@ -10350,59 +10168,58 @@
           <a:lstStyle/>
           <a:p>
             <a:r>
-              <a:rPr lang="en-US" dirty="0" smtClean="0"/>
+              <a:rPr lang="en-US" dirty="0"/>
               <a:t>Instructor Requirements:</a:t>
             </a:r>
           </a:p>
           <a:p>
             <a:pPr lvl="1"/>
             <a:r>
-              <a:rPr lang="en-US" dirty="0" smtClean="0"/>
+              <a:rPr lang="en-US" dirty="0"/>
               <a:t>System should allow the instructor to generate the QR code.</a:t>
             </a:r>
           </a:p>
           <a:p>
             <a:pPr lvl="1"/>
             <a:r>
-              <a:rPr lang="en-US" dirty="0" smtClean="0"/>
+              <a:rPr lang="en-US" dirty="0"/>
               <a:t>Generate QR code uniquely every time the instructor asks for a QR code.</a:t>
             </a:r>
           </a:p>
           <a:p>
             <a:pPr lvl="1"/>
             <a:r>
-              <a:rPr lang="en-US" dirty="0" smtClean="0"/>
+              <a:rPr lang="en-US" dirty="0"/>
               <a:t>System should generate the QR based on the constraints such as </a:t>
             </a:r>
           </a:p>
           <a:p>
             <a:pPr lvl="2"/>
             <a:r>
-              <a:rPr lang="en-US" dirty="0" smtClean="0"/>
+              <a:rPr lang="en-US" dirty="0"/>
               <a:t>Course CRN</a:t>
             </a:r>
           </a:p>
           <a:p>
             <a:pPr lvl="2"/>
             <a:r>
-              <a:rPr lang="en-US" dirty="0" smtClean="0"/>
+              <a:rPr lang="en-US" dirty="0"/>
               <a:t>Time at which the course meet</a:t>
             </a:r>
           </a:p>
           <a:p>
             <a:pPr lvl="1"/>
             <a:r>
-              <a:rPr lang="en-US" dirty="0" smtClean="0"/>
+              <a:rPr lang="en-US" dirty="0"/>
               <a:t>System should allow the instructor to display any number of QR codes.</a:t>
             </a:r>
           </a:p>
           <a:p>
             <a:pPr lvl="1"/>
             <a:r>
-              <a:rPr lang="en-US" dirty="0" smtClean="0"/>
+              <a:rPr lang="en-US" dirty="0"/>
               <a:t> Display the Student details.</a:t>
             </a:r>
-            <a:endParaRPr lang="en-US" dirty="0"/>
           </a:p>
         </p:txBody>
       </p:sp>
@@ -10440,13 +10257,6 @@
   <p:clrMapOvr>
     <a:masterClrMapping/>
   </p:clrMapOvr>
-  <p:timing>
-    <p:tnLst>
-      <p:par>
-        <p:cTn id="1" dur="indefinite" restart="never" nodeType="tmRoot"/>
-      </p:par>
-    </p:tnLst>
-  </p:timing>
 </p:sld>
 </file>
 
@@ -10484,11 +10294,7 @@
           <a:p>
             <a:r>
               <a:rPr lang="en-US" dirty="0"/>
-              <a:t>Requirements 			</a:t>
-            </a:r>
-            <a:r>
-              <a:rPr lang="en-US" dirty="0" smtClean="0"/>
-              <a:t>  (</a:t>
+              <a:t>Requirements 			  (</a:t>
             </a:r>
             <a:r>
               <a:rPr lang="en-US" dirty="0" err="1"/>
@@ -10519,21 +10325,21 @@
           <a:lstStyle/>
           <a:p>
             <a:r>
-              <a:rPr lang="en-US" dirty="0" smtClean="0"/>
+              <a:rPr lang="en-US" dirty="0"/>
               <a:t>Admin Requirements </a:t>
             </a:r>
           </a:p>
           <a:p>
             <a:pPr lvl="1"/>
             <a:r>
-              <a:rPr lang="en-US" dirty="0" smtClean="0"/>
+              <a:rPr lang="en-US" dirty="0"/>
               <a:t>Requirements of the admins are likely to be overlapping with the instructor</a:t>
             </a:r>
           </a:p>
           <a:p>
             <a:pPr lvl="1"/>
             <a:r>
-              <a:rPr lang="en-US" dirty="0" smtClean="0"/>
+              <a:rPr lang="en-US" dirty="0"/>
               <a:t>Admin has all the features similar to that of an instructor yet has an extra feature to view the details of the instructors and the students of that particular department.</a:t>
             </a:r>
           </a:p>
@@ -10577,13 +10383,6 @@
   <p:clrMapOvr>
     <a:masterClrMapping/>
   </p:clrMapOvr>
-  <p:timing>
-    <p:tnLst>
-      <p:par>
-        <p:cTn id="1" dur="indefinite" restart="never" nodeType="tmRoot"/>
-      </p:par>
-    </p:tnLst>
-  </p:timing>
 </p:sld>
 </file>
 
@@ -10620,10 +10419,9 @@
           <a:lstStyle/>
           <a:p>
             <a:r>
-              <a:rPr lang="en-US" dirty="0" smtClean="0"/>
+              <a:rPr lang="en-US" dirty="0"/>
               <a:t>Project Management Plan</a:t>
             </a:r>
-            <a:endParaRPr lang="en-US" dirty="0"/>
           </a:p>
         </p:txBody>
       </p:sp>
@@ -10731,13 +10529,6 @@
   <p:clrMapOvr>
     <a:masterClrMapping/>
   </p:clrMapOvr>
-  <p:timing>
-    <p:tnLst>
-      <p:par>
-        <p:cTn id="1" dur="indefinite" restart="never" nodeType="tmRoot"/>
-      </p:par>
-    </p:tnLst>
-  </p:timing>
 </p:sld>
 </file>
 
